--- a/Semillero_complex.pptx
+++ b/Semillero_complex.pptx
@@ -7,6 +7,8 @@
   <p:sldIdLst>
     <p:sldId id="258" r:id="rId2"/>
     <p:sldId id="259" r:id="rId3"/>
+    <p:sldId id="261" r:id="rId4"/>
+    <p:sldId id="260" r:id="rId5"/>
   </p:sldIdLst>
   <p:sldSz cx="12192000" cy="6858000"/>
   <p:notesSz cx="6858000" cy="9144000"/>
@@ -244,7 +246,7 @@
           <a:p>
             <a:fld id="{9E1E3C1B-4A68-4079-985B-581405F5336D}" type="datetimeFigureOut">
               <a:rPr lang="es-CO" smtClean="0"/>
-              <a:t>7/03/2019</a:t>
+              <a:t>9/03/2019</a:t>
             </a:fld>
             <a:endParaRPr lang="es-CO"/>
           </a:p>
@@ -414,7 +416,7 @@
           <a:p>
             <a:fld id="{9E1E3C1B-4A68-4079-985B-581405F5336D}" type="datetimeFigureOut">
               <a:rPr lang="es-CO" smtClean="0"/>
-              <a:t>7/03/2019</a:t>
+              <a:t>9/03/2019</a:t>
             </a:fld>
             <a:endParaRPr lang="es-CO"/>
           </a:p>
@@ -594,7 +596,7 @@
           <a:p>
             <a:fld id="{9E1E3C1B-4A68-4079-985B-581405F5336D}" type="datetimeFigureOut">
               <a:rPr lang="es-CO" smtClean="0"/>
-              <a:t>7/03/2019</a:t>
+              <a:t>9/03/2019</a:t>
             </a:fld>
             <a:endParaRPr lang="es-CO"/>
           </a:p>
@@ -764,7 +766,7 @@
           <a:p>
             <a:fld id="{9E1E3C1B-4A68-4079-985B-581405F5336D}" type="datetimeFigureOut">
               <a:rPr lang="es-CO" smtClean="0"/>
-              <a:t>7/03/2019</a:t>
+              <a:t>9/03/2019</a:t>
             </a:fld>
             <a:endParaRPr lang="es-CO"/>
           </a:p>
@@ -1010,7 +1012,7 @@
           <a:p>
             <a:fld id="{9E1E3C1B-4A68-4079-985B-581405F5336D}" type="datetimeFigureOut">
               <a:rPr lang="es-CO" smtClean="0"/>
-              <a:t>7/03/2019</a:t>
+              <a:t>9/03/2019</a:t>
             </a:fld>
             <a:endParaRPr lang="es-CO"/>
           </a:p>
@@ -1242,7 +1244,7 @@
           <a:p>
             <a:fld id="{9E1E3C1B-4A68-4079-985B-581405F5336D}" type="datetimeFigureOut">
               <a:rPr lang="es-CO" smtClean="0"/>
-              <a:t>7/03/2019</a:t>
+              <a:t>9/03/2019</a:t>
             </a:fld>
             <a:endParaRPr lang="es-CO"/>
           </a:p>
@@ -1609,7 +1611,7 @@
           <a:p>
             <a:fld id="{9E1E3C1B-4A68-4079-985B-581405F5336D}" type="datetimeFigureOut">
               <a:rPr lang="es-CO" smtClean="0"/>
-              <a:t>7/03/2019</a:t>
+              <a:t>9/03/2019</a:t>
             </a:fld>
             <a:endParaRPr lang="es-CO"/>
           </a:p>
@@ -1727,7 +1729,7 @@
           <a:p>
             <a:fld id="{9E1E3C1B-4A68-4079-985B-581405F5336D}" type="datetimeFigureOut">
               <a:rPr lang="es-CO" smtClean="0"/>
-              <a:t>7/03/2019</a:t>
+              <a:t>9/03/2019</a:t>
             </a:fld>
             <a:endParaRPr lang="es-CO"/>
           </a:p>
@@ -1822,7 +1824,7 @@
           <a:p>
             <a:fld id="{9E1E3C1B-4A68-4079-985B-581405F5336D}" type="datetimeFigureOut">
               <a:rPr lang="es-CO" smtClean="0"/>
-              <a:t>7/03/2019</a:t>
+              <a:t>9/03/2019</a:t>
             </a:fld>
             <a:endParaRPr lang="es-CO"/>
           </a:p>
@@ -2099,7 +2101,7 @@
           <a:p>
             <a:fld id="{9E1E3C1B-4A68-4079-985B-581405F5336D}" type="datetimeFigureOut">
               <a:rPr lang="es-CO" smtClean="0"/>
-              <a:t>7/03/2019</a:t>
+              <a:t>9/03/2019</a:t>
             </a:fld>
             <a:endParaRPr lang="es-CO"/>
           </a:p>
@@ -2352,7 +2354,7 @@
           <a:p>
             <a:fld id="{9E1E3C1B-4A68-4079-985B-581405F5336D}" type="datetimeFigureOut">
               <a:rPr lang="es-CO" smtClean="0"/>
-              <a:t>7/03/2019</a:t>
+              <a:t>9/03/2019</a:t>
             </a:fld>
             <a:endParaRPr lang="es-CO"/>
           </a:p>
@@ -2565,7 +2567,7 @@
           <a:p>
             <a:fld id="{9E1E3C1B-4A68-4079-985B-581405F5336D}" type="datetimeFigureOut">
               <a:rPr lang="es-CO" smtClean="0"/>
-              <a:t>7/03/2019</a:t>
+              <a:t>9/03/2019</a:t>
             </a:fld>
             <a:endParaRPr lang="es-CO"/>
           </a:p>
@@ -8128,6 +8130,51 @@
           </a:p>
         </p:txBody>
       </p:sp>
+      <p:sp>
+        <p:nvSpPr>
+          <p:cNvPr id="199" name="Arco 198"/>
+          <p:cNvSpPr/>
+          <p:nvPr/>
+        </p:nvSpPr>
+        <p:spPr>
+          <a:xfrm rot="13588727" flipH="1">
+            <a:off x="1114277" y="4241438"/>
+            <a:ext cx="1226234" cy="1332925"/>
+          </a:xfrm>
+          <a:prstGeom prst="arc">
+            <a:avLst/>
+          </a:prstGeom>
+          <a:ln w="9525">
+            <a:solidFill>
+              <a:srgbClr val="FF0000"/>
+            </a:solidFill>
+            <a:headEnd type="none" w="med" len="lg"/>
+            <a:tailEnd type="triangle" w="med" len="lg"/>
+          </a:ln>
+        </p:spPr>
+        <p:style>
+          <a:lnRef idx="1">
+            <a:schemeClr val="accent1"/>
+          </a:lnRef>
+          <a:fillRef idx="0">
+            <a:schemeClr val="accent1"/>
+          </a:fillRef>
+          <a:effectRef idx="0">
+            <a:schemeClr val="accent1"/>
+          </a:effectRef>
+          <a:fontRef idx="minor">
+            <a:schemeClr val="tx1"/>
+          </a:fontRef>
+        </p:style>
+        <p:txBody>
+          <a:bodyPr rtlCol="0" anchor="ctr"/>
+          <a:lstStyle/>
+          <a:p>
+            <a:pPr algn="ctr"/>
+            <a:endParaRPr lang="es-CO"/>
+          </a:p>
+        </p:txBody>
+      </p:sp>
     </p:spTree>
     <p:extLst>
       <p:ext uri="{BB962C8B-B14F-4D97-AF65-F5344CB8AC3E}">
@@ -14450,6 +14497,1591 @@
     <p:extLst>
       <p:ext uri="{BB962C8B-B14F-4D97-AF65-F5344CB8AC3E}">
         <p14:creationId xmlns:p14="http://schemas.microsoft.com/office/powerpoint/2010/main" val="849302287"/>
+      </p:ext>
+    </p:extLst>
+  </p:cSld>
+  <p:clrMapOvr>
+    <a:masterClrMapping/>
+  </p:clrMapOvr>
+  <p:timing>
+    <p:tnLst>
+      <p:par>
+        <p:cTn id="1" dur="indefinite" restart="never" nodeType="tmRoot"/>
+      </p:par>
+    </p:tnLst>
+  </p:timing>
+</p:sld>
+</file>
+
+<file path=ppt/slides/slide3.xml><?xml version="1.0" encoding="utf-8"?>
+<p:sld xmlns:a="http://schemas.openxmlformats.org/drawingml/2006/main" xmlns:r="http://schemas.openxmlformats.org/officeDocument/2006/relationships" xmlns:p="http://schemas.openxmlformats.org/presentationml/2006/main">
+  <p:cSld>
+    <p:spTree>
+      <p:nvGrpSpPr>
+        <p:cNvPr id="1" name=""/>
+        <p:cNvGrpSpPr/>
+        <p:nvPr/>
+      </p:nvGrpSpPr>
+      <p:grpSpPr>
+        <a:xfrm>
+          <a:off x="0" y="0"/>
+          <a:ext cx="0" cy="0"/>
+          <a:chOff x="0" y="0"/>
+          <a:chExt cx="0" cy="0"/>
+        </a:xfrm>
+      </p:grpSpPr>
+      <p:pic>
+        <p:nvPicPr>
+          <p:cNvPr id="2" name="Imagen 1"/>
+          <p:cNvPicPr>
+            <a:picLocks noChangeAspect="1"/>
+          </p:cNvPicPr>
+          <p:nvPr>
+            <p:custDataLst>
+              <p:tags r:id="rId1"/>
+            </p:custDataLst>
+          </p:nvPr>
+        </p:nvPicPr>
+        <p:blipFill>
+          <a:blip r:embed="rId12" cstate="print">
+            <a:extLst>
+              <a:ext uri="{28A0092B-C50C-407E-A947-70E740481C1C}">
+                <a14:useLocalDpi xmlns:a14="http://schemas.microsoft.com/office/drawing/2010/main" val="0"/>
+              </a:ext>
+            </a:extLst>
+          </a:blip>
+          <a:stretch>
+            <a:fillRect/>
+          </a:stretch>
+        </p:blipFill>
+        <p:spPr>
+          <a:xfrm>
+            <a:off x="330257" y="229408"/>
+            <a:ext cx="4353431" cy="214161"/>
+          </a:xfrm>
+          <a:prstGeom prst="rect">
+            <a:avLst/>
+          </a:prstGeom>
+        </p:spPr>
+      </p:pic>
+      <p:pic>
+        <p:nvPicPr>
+          <p:cNvPr id="4" name="Imagen 3"/>
+          <p:cNvPicPr>
+            <a:picLocks noChangeAspect="1"/>
+          </p:cNvPicPr>
+          <p:nvPr>
+            <p:custDataLst>
+              <p:tags r:id="rId2"/>
+            </p:custDataLst>
+          </p:nvPr>
+        </p:nvPicPr>
+        <p:blipFill>
+          <a:blip r:embed="rId13" cstate="print">
+            <a:extLst>
+              <a:ext uri="{28A0092B-C50C-407E-A947-70E740481C1C}">
+                <a14:useLocalDpi xmlns:a14="http://schemas.microsoft.com/office/drawing/2010/main" val="0"/>
+              </a:ext>
+            </a:extLst>
+          </a:blip>
+          <a:stretch>
+            <a:fillRect/>
+          </a:stretch>
+        </p:blipFill>
+        <p:spPr>
+          <a:xfrm>
+            <a:off x="330258" y="786710"/>
+            <a:ext cx="9210164" cy="221805"/>
+          </a:xfrm>
+          <a:prstGeom prst="rect">
+            <a:avLst/>
+          </a:prstGeom>
+        </p:spPr>
+      </p:pic>
+      <p:pic>
+        <p:nvPicPr>
+          <p:cNvPr id="17" name="Imagen 16"/>
+          <p:cNvPicPr>
+            <a:picLocks noChangeAspect="1"/>
+          </p:cNvPicPr>
+          <p:nvPr>
+            <p:custDataLst>
+              <p:tags r:id="rId3"/>
+            </p:custDataLst>
+          </p:nvPr>
+        </p:nvPicPr>
+        <p:blipFill>
+          <a:blip r:embed="rId14" cstate="print">
+            <a:extLst>
+              <a:ext uri="{28A0092B-C50C-407E-A947-70E740481C1C}">
+                <a14:useLocalDpi xmlns:a14="http://schemas.microsoft.com/office/drawing/2010/main" val="0"/>
+              </a:ext>
+            </a:extLst>
+          </a:blip>
+          <a:stretch>
+            <a:fillRect/>
+          </a:stretch>
+        </p:blipFill>
+        <p:spPr>
+          <a:xfrm>
+            <a:off x="285625" y="2414616"/>
+            <a:ext cx="9214888" cy="217985"/>
+          </a:xfrm>
+          <a:prstGeom prst="rect">
+            <a:avLst/>
+          </a:prstGeom>
+        </p:spPr>
+      </p:pic>
+      <p:pic>
+        <p:nvPicPr>
+          <p:cNvPr id="10" name="Imagen 9"/>
+          <p:cNvPicPr>
+            <a:picLocks noChangeAspect="1"/>
+          </p:cNvPicPr>
+          <p:nvPr>
+            <p:custDataLst>
+              <p:tags r:id="rId4"/>
+            </p:custDataLst>
+          </p:nvPr>
+        </p:nvPicPr>
+        <p:blipFill>
+          <a:blip r:embed="rId15" cstate="print">
+            <a:extLst>
+              <a:ext uri="{28A0092B-C50C-407E-A947-70E740481C1C}">
+                <a14:useLocalDpi xmlns:a14="http://schemas.microsoft.com/office/drawing/2010/main" val="0"/>
+              </a:ext>
+            </a:extLst>
+          </a:blip>
+          <a:stretch>
+            <a:fillRect/>
+          </a:stretch>
+        </p:blipFill>
+        <p:spPr>
+          <a:xfrm>
+            <a:off x="533260" y="1243319"/>
+            <a:ext cx="9164147" cy="710132"/>
+          </a:xfrm>
+          <a:prstGeom prst="rect">
+            <a:avLst/>
+          </a:prstGeom>
+        </p:spPr>
+      </p:pic>
+      <p:pic>
+        <p:nvPicPr>
+          <p:cNvPr id="11" name="Imagen 10"/>
+          <p:cNvPicPr>
+            <a:picLocks noChangeAspect="1"/>
+          </p:cNvPicPr>
+          <p:nvPr>
+            <p:custDataLst>
+              <p:tags r:id="rId5"/>
+            </p:custDataLst>
+          </p:nvPr>
+        </p:nvPicPr>
+        <p:blipFill>
+          <a:blip r:embed="rId16" cstate="print">
+            <a:extLst>
+              <a:ext uri="{28A0092B-C50C-407E-A947-70E740481C1C}">
+                <a14:useLocalDpi xmlns:a14="http://schemas.microsoft.com/office/drawing/2010/main" val="0"/>
+              </a:ext>
+            </a:extLst>
+          </a:blip>
+          <a:stretch>
+            <a:fillRect/>
+          </a:stretch>
+        </p:blipFill>
+        <p:spPr>
+          <a:xfrm>
+            <a:off x="531964" y="2893226"/>
+            <a:ext cx="9165443" cy="710132"/>
+          </a:xfrm>
+          <a:prstGeom prst="rect">
+            <a:avLst/>
+          </a:prstGeom>
+        </p:spPr>
+      </p:pic>
+      <p:cxnSp>
+        <p:nvCxnSpPr>
+          <p:cNvPr id="63" name="Conector recto de flecha 62"/>
+          <p:cNvCxnSpPr/>
+          <p:nvPr/>
+        </p:nvCxnSpPr>
+        <p:spPr>
+          <a:xfrm>
+            <a:off x="4821119" y="336488"/>
+            <a:ext cx="1672045" cy="0"/>
+          </a:xfrm>
+          <a:prstGeom prst="straightConnector1">
+            <a:avLst/>
+          </a:prstGeom>
+          <a:ln w="47625">
+            <a:solidFill>
+              <a:srgbClr val="00B050"/>
+            </a:solidFill>
+            <a:tailEnd type="triangle"/>
+          </a:ln>
+        </p:spPr>
+        <p:style>
+          <a:lnRef idx="1">
+            <a:schemeClr val="accent1"/>
+          </a:lnRef>
+          <a:fillRef idx="0">
+            <a:schemeClr val="accent1"/>
+          </a:fillRef>
+          <a:effectRef idx="0">
+            <a:schemeClr val="accent1"/>
+          </a:effectRef>
+          <a:fontRef idx="minor">
+            <a:schemeClr val="tx1"/>
+          </a:fontRef>
+        </p:style>
+      </p:cxnSp>
+      <p:pic>
+        <p:nvPicPr>
+          <p:cNvPr id="68" name="Imagen 67"/>
+          <p:cNvPicPr>
+            <a:picLocks noChangeAspect="1"/>
+          </p:cNvPicPr>
+          <p:nvPr>
+            <p:custDataLst>
+              <p:tags r:id="rId6"/>
+            </p:custDataLst>
+          </p:nvPr>
+        </p:nvPicPr>
+        <p:blipFill>
+          <a:blip r:embed="rId17" cstate="print">
+            <a:extLst>
+              <a:ext uri="{28A0092B-C50C-407E-A947-70E740481C1C}">
+                <a14:useLocalDpi xmlns:a14="http://schemas.microsoft.com/office/drawing/2010/main" val="0"/>
+              </a:ext>
+            </a:extLst>
+          </a:blip>
+          <a:stretch>
+            <a:fillRect/>
+          </a:stretch>
+        </p:blipFill>
+        <p:spPr>
+          <a:xfrm>
+            <a:off x="6751743" y="232460"/>
+            <a:ext cx="2945666" cy="173591"/>
+          </a:xfrm>
+          <a:prstGeom prst="rect">
+            <a:avLst/>
+          </a:prstGeom>
+        </p:spPr>
+      </p:pic>
+      <p:pic>
+        <p:nvPicPr>
+          <p:cNvPr id="16" name="Imagen 15"/>
+          <p:cNvPicPr>
+            <a:picLocks noChangeAspect="1"/>
+          </p:cNvPicPr>
+          <p:nvPr>
+            <p:custDataLst>
+              <p:tags r:id="rId7"/>
+            </p:custDataLst>
+          </p:nvPr>
+        </p:nvPicPr>
+        <p:blipFill>
+          <a:blip r:embed="rId18" cstate="print">
+            <a:extLst>
+              <a:ext uri="{28A0092B-C50C-407E-A947-70E740481C1C}">
+                <a14:useLocalDpi xmlns:a14="http://schemas.microsoft.com/office/drawing/2010/main" val="0"/>
+              </a:ext>
+            </a:extLst>
+          </a:blip>
+          <a:stretch>
+            <a:fillRect/>
+          </a:stretch>
+        </p:blipFill>
+        <p:spPr>
+          <a:xfrm>
+            <a:off x="285625" y="4017261"/>
+            <a:ext cx="8343810" cy="218881"/>
+          </a:xfrm>
+          <a:prstGeom prst="rect">
+            <a:avLst/>
+          </a:prstGeom>
+        </p:spPr>
+      </p:pic>
+      <p:pic>
+        <p:nvPicPr>
+          <p:cNvPr id="12" name="Imagen 11"/>
+          <p:cNvPicPr>
+            <a:picLocks noChangeAspect="1"/>
+          </p:cNvPicPr>
+          <p:nvPr>
+            <p:custDataLst>
+              <p:tags r:id="rId8"/>
+            </p:custDataLst>
+          </p:nvPr>
+        </p:nvPicPr>
+        <p:blipFill>
+          <a:blip r:embed="rId19" cstate="print">
+            <a:extLst>
+              <a:ext uri="{28A0092B-C50C-407E-A947-70E740481C1C}">
+                <a14:useLocalDpi xmlns:a14="http://schemas.microsoft.com/office/drawing/2010/main" val="0"/>
+              </a:ext>
+            </a:extLst>
+          </a:blip>
+          <a:stretch>
+            <a:fillRect/>
+          </a:stretch>
+        </p:blipFill>
+        <p:spPr>
+          <a:xfrm>
+            <a:off x="840845" y="4505078"/>
+            <a:ext cx="2574867" cy="154564"/>
+          </a:xfrm>
+          <a:prstGeom prst="rect">
+            <a:avLst/>
+          </a:prstGeom>
+        </p:spPr>
+      </p:pic>
+      <p:pic>
+        <p:nvPicPr>
+          <p:cNvPr id="15" name="Imagen 14"/>
+          <p:cNvPicPr>
+            <a:picLocks noChangeAspect="1"/>
+          </p:cNvPicPr>
+          <p:nvPr>
+            <p:custDataLst>
+              <p:tags r:id="rId9"/>
+            </p:custDataLst>
+          </p:nvPr>
+        </p:nvPicPr>
+        <p:blipFill>
+          <a:blip r:embed="rId20" cstate="print">
+            <a:extLst>
+              <a:ext uri="{28A0092B-C50C-407E-A947-70E740481C1C}">
+                <a14:useLocalDpi xmlns:a14="http://schemas.microsoft.com/office/drawing/2010/main" val="0"/>
+              </a:ext>
+            </a:extLst>
+          </a:blip>
+          <a:stretch>
+            <a:fillRect/>
+          </a:stretch>
+        </p:blipFill>
+        <p:spPr>
+          <a:xfrm>
+            <a:off x="330256" y="4913767"/>
+            <a:ext cx="9870427" cy="518244"/>
+          </a:xfrm>
+          <a:prstGeom prst="rect">
+            <a:avLst/>
+          </a:prstGeom>
+        </p:spPr>
+      </p:pic>
+      <p:pic>
+        <p:nvPicPr>
+          <p:cNvPr id="35" name="Imagen 34"/>
+          <p:cNvPicPr>
+            <a:picLocks noChangeAspect="1"/>
+          </p:cNvPicPr>
+          <p:nvPr>
+            <p:custDataLst>
+              <p:tags r:id="rId10"/>
+            </p:custDataLst>
+          </p:nvPr>
+        </p:nvPicPr>
+        <p:blipFill>
+          <a:blip r:embed="rId21" cstate="print">
+            <a:extLst>
+              <a:ext uri="{28A0092B-C50C-407E-A947-70E740481C1C}">
+                <a14:useLocalDpi xmlns:a14="http://schemas.microsoft.com/office/drawing/2010/main" val="0"/>
+              </a:ext>
+            </a:extLst>
+          </a:blip>
+          <a:stretch>
+            <a:fillRect/>
+          </a:stretch>
+        </p:blipFill>
+        <p:spPr>
+          <a:xfrm>
+            <a:off x="531966" y="5681407"/>
+            <a:ext cx="10258492" cy="899319"/>
+          </a:xfrm>
+          <a:prstGeom prst="rect">
+            <a:avLst/>
+          </a:prstGeom>
+        </p:spPr>
+      </p:pic>
+    </p:spTree>
+    <p:extLst>
+      <p:ext uri="{BB962C8B-B14F-4D97-AF65-F5344CB8AC3E}">
+        <p14:creationId xmlns:p14="http://schemas.microsoft.com/office/powerpoint/2010/main" val="2880970673"/>
+      </p:ext>
+    </p:extLst>
+  </p:cSld>
+  <p:clrMapOvr>
+    <a:masterClrMapping/>
+  </p:clrMapOvr>
+  <p:timing>
+    <p:tnLst>
+      <p:par>
+        <p:cTn id="1" dur="indefinite" restart="never" nodeType="tmRoot"/>
+      </p:par>
+    </p:tnLst>
+  </p:timing>
+</p:sld>
+</file>
+
+<file path=ppt/slides/slide4.xml><?xml version="1.0" encoding="utf-8"?>
+<p:sld xmlns:a="http://schemas.openxmlformats.org/drawingml/2006/main" xmlns:r="http://schemas.openxmlformats.org/officeDocument/2006/relationships" xmlns:p="http://schemas.openxmlformats.org/presentationml/2006/main">
+  <p:cSld>
+    <p:spTree>
+      <p:nvGrpSpPr>
+        <p:cNvPr id="1" name=""/>
+        <p:cNvGrpSpPr/>
+        <p:nvPr/>
+      </p:nvGrpSpPr>
+      <p:grpSpPr>
+        <a:xfrm>
+          <a:off x="0" y="0"/>
+          <a:ext cx="0" cy="0"/>
+          <a:chOff x="0" y="0"/>
+          <a:chExt cx="0" cy="0"/>
+        </a:xfrm>
+      </p:grpSpPr>
+      <p:cxnSp>
+        <p:nvCxnSpPr>
+          <p:cNvPr id="275" name="Conector recto 274"/>
+          <p:cNvCxnSpPr/>
+          <p:nvPr/>
+        </p:nvCxnSpPr>
+        <p:spPr>
+          <a:xfrm>
+            <a:off x="3926007" y="2734302"/>
+            <a:ext cx="3147224" cy="0"/>
+          </a:xfrm>
+          <a:prstGeom prst="line">
+            <a:avLst/>
+          </a:prstGeom>
+          <a:ln>
+            <a:prstDash val="dash"/>
+          </a:ln>
+        </p:spPr>
+        <p:style>
+          <a:lnRef idx="1">
+            <a:schemeClr val="accent1"/>
+          </a:lnRef>
+          <a:fillRef idx="0">
+            <a:schemeClr val="accent1"/>
+          </a:fillRef>
+          <a:effectRef idx="0">
+            <a:schemeClr val="accent1"/>
+          </a:effectRef>
+          <a:fontRef idx="minor">
+            <a:schemeClr val="tx1"/>
+          </a:fontRef>
+        </p:style>
+      </p:cxnSp>
+      <p:cxnSp>
+        <p:nvCxnSpPr>
+          <p:cNvPr id="274" name="Conector recto 273"/>
+          <p:cNvCxnSpPr/>
+          <p:nvPr/>
+        </p:nvCxnSpPr>
+        <p:spPr>
+          <a:xfrm>
+            <a:off x="3913142" y="2616643"/>
+            <a:ext cx="3147224" cy="0"/>
+          </a:xfrm>
+          <a:prstGeom prst="line">
+            <a:avLst/>
+          </a:prstGeom>
+          <a:ln>
+            <a:prstDash val="dash"/>
+          </a:ln>
+        </p:spPr>
+        <p:style>
+          <a:lnRef idx="1">
+            <a:schemeClr val="accent1"/>
+          </a:lnRef>
+          <a:fillRef idx="0">
+            <a:schemeClr val="accent1"/>
+          </a:fillRef>
+          <a:effectRef idx="0">
+            <a:schemeClr val="accent1"/>
+          </a:effectRef>
+          <a:fontRef idx="minor">
+            <a:schemeClr val="tx1"/>
+          </a:fontRef>
+        </p:style>
+      </p:cxnSp>
+      <p:cxnSp>
+        <p:nvCxnSpPr>
+          <p:cNvPr id="20" name="Conector recto 19"/>
+          <p:cNvCxnSpPr/>
+          <p:nvPr/>
+        </p:nvCxnSpPr>
+        <p:spPr>
+          <a:xfrm>
+            <a:off x="765918" y="3151590"/>
+            <a:ext cx="10328366" cy="0"/>
+          </a:xfrm>
+          <a:prstGeom prst="line">
+            <a:avLst/>
+          </a:prstGeom>
+          <a:ln>
+            <a:prstDash val="dash"/>
+          </a:ln>
+        </p:spPr>
+        <p:style>
+          <a:lnRef idx="1">
+            <a:schemeClr val="accent1"/>
+          </a:lnRef>
+          <a:fillRef idx="0">
+            <a:schemeClr val="accent1"/>
+          </a:fillRef>
+          <a:effectRef idx="0">
+            <a:schemeClr val="accent1"/>
+          </a:effectRef>
+          <a:fontRef idx="minor">
+            <a:schemeClr val="tx1"/>
+          </a:fontRef>
+        </p:style>
+      </p:cxnSp>
+      <p:cxnSp>
+        <p:nvCxnSpPr>
+          <p:cNvPr id="186" name="Conector recto 185"/>
+          <p:cNvCxnSpPr/>
+          <p:nvPr/>
+        </p:nvCxnSpPr>
+        <p:spPr>
+          <a:xfrm>
+            <a:off x="765918" y="2454917"/>
+            <a:ext cx="10328366" cy="0"/>
+          </a:xfrm>
+          <a:prstGeom prst="line">
+            <a:avLst/>
+          </a:prstGeom>
+          <a:ln>
+            <a:prstDash val="dash"/>
+          </a:ln>
+        </p:spPr>
+        <p:style>
+          <a:lnRef idx="1">
+            <a:schemeClr val="accent1"/>
+          </a:lnRef>
+          <a:fillRef idx="0">
+            <a:schemeClr val="accent1"/>
+          </a:fillRef>
+          <a:effectRef idx="0">
+            <a:schemeClr val="accent1"/>
+          </a:effectRef>
+          <a:fontRef idx="minor">
+            <a:schemeClr val="tx1"/>
+          </a:fontRef>
+        </p:style>
+      </p:cxnSp>
+      <p:cxnSp>
+        <p:nvCxnSpPr>
+          <p:cNvPr id="189" name="Conector recto 188"/>
+          <p:cNvCxnSpPr/>
+          <p:nvPr/>
+        </p:nvCxnSpPr>
+        <p:spPr>
+          <a:xfrm>
+            <a:off x="765918" y="2859210"/>
+            <a:ext cx="3147224" cy="0"/>
+          </a:xfrm>
+          <a:prstGeom prst="line">
+            <a:avLst/>
+          </a:prstGeom>
+          <a:ln>
+            <a:prstDash val="dash"/>
+          </a:ln>
+        </p:spPr>
+        <p:style>
+          <a:lnRef idx="1">
+            <a:schemeClr val="accent1"/>
+          </a:lnRef>
+          <a:fillRef idx="0">
+            <a:schemeClr val="accent1"/>
+          </a:fillRef>
+          <a:effectRef idx="0">
+            <a:schemeClr val="accent1"/>
+          </a:effectRef>
+          <a:fontRef idx="minor">
+            <a:schemeClr val="tx1"/>
+          </a:fontRef>
+        </p:style>
+      </p:cxnSp>
+      <p:cxnSp>
+        <p:nvCxnSpPr>
+          <p:cNvPr id="192" name="Conector recto 191"/>
+          <p:cNvCxnSpPr/>
+          <p:nvPr/>
+        </p:nvCxnSpPr>
+        <p:spPr>
+          <a:xfrm>
+            <a:off x="765918" y="2609395"/>
+            <a:ext cx="3147224" cy="0"/>
+          </a:xfrm>
+          <a:prstGeom prst="line">
+            <a:avLst/>
+          </a:prstGeom>
+          <a:ln>
+            <a:prstDash val="dash"/>
+          </a:ln>
+        </p:spPr>
+        <p:style>
+          <a:lnRef idx="1">
+            <a:schemeClr val="accent1"/>
+          </a:lnRef>
+          <a:fillRef idx="0">
+            <a:schemeClr val="accent1"/>
+          </a:fillRef>
+          <a:effectRef idx="0">
+            <a:schemeClr val="accent1"/>
+          </a:effectRef>
+          <a:fontRef idx="minor">
+            <a:schemeClr val="tx1"/>
+          </a:fontRef>
+        </p:style>
+      </p:cxnSp>
+      <p:cxnSp>
+        <p:nvCxnSpPr>
+          <p:cNvPr id="204" name="Conector recto 203"/>
+          <p:cNvCxnSpPr/>
+          <p:nvPr/>
+        </p:nvCxnSpPr>
+        <p:spPr>
+          <a:xfrm>
+            <a:off x="765918" y="2734302"/>
+            <a:ext cx="3147224" cy="0"/>
+          </a:xfrm>
+          <a:prstGeom prst="line">
+            <a:avLst/>
+          </a:prstGeom>
+          <a:ln>
+            <a:prstDash val="dash"/>
+          </a:ln>
+        </p:spPr>
+        <p:style>
+          <a:lnRef idx="1">
+            <a:schemeClr val="accent1"/>
+          </a:lnRef>
+          <a:fillRef idx="0">
+            <a:schemeClr val="accent1"/>
+          </a:fillRef>
+          <a:effectRef idx="0">
+            <a:schemeClr val="accent1"/>
+          </a:effectRef>
+          <a:fontRef idx="minor">
+            <a:schemeClr val="tx1"/>
+          </a:fontRef>
+        </p:style>
+      </p:cxnSp>
+      <p:pic>
+        <p:nvPicPr>
+          <p:cNvPr id="2" name="Imagen 1"/>
+          <p:cNvPicPr>
+            <a:picLocks noChangeAspect="1"/>
+          </p:cNvPicPr>
+          <p:nvPr>
+            <p:custDataLst>
+              <p:tags r:id="rId1"/>
+            </p:custDataLst>
+          </p:nvPr>
+        </p:nvPicPr>
+        <p:blipFill>
+          <a:blip r:embed="rId22" cstate="print">
+            <a:extLst>
+              <a:ext uri="{28A0092B-C50C-407E-A947-70E740481C1C}">
+                <a14:useLocalDpi xmlns:a14="http://schemas.microsoft.com/office/drawing/2010/main" val="0"/>
+              </a:ext>
+            </a:extLst>
+          </a:blip>
+          <a:stretch>
+            <a:fillRect/>
+          </a:stretch>
+        </p:blipFill>
+        <p:spPr>
+          <a:xfrm>
+            <a:off x="330257" y="229408"/>
+            <a:ext cx="4353431" cy="214161"/>
+          </a:xfrm>
+          <a:prstGeom prst="rect">
+            <a:avLst/>
+          </a:prstGeom>
+        </p:spPr>
+      </p:pic>
+      <p:pic>
+        <p:nvPicPr>
+          <p:cNvPr id="22" name="Imagen 21"/>
+          <p:cNvPicPr>
+            <a:picLocks noChangeAspect="1"/>
+          </p:cNvPicPr>
+          <p:nvPr>
+            <p:custDataLst>
+              <p:tags r:id="rId2"/>
+            </p:custDataLst>
+          </p:nvPr>
+        </p:nvPicPr>
+        <p:blipFill>
+          <a:blip r:embed="rId23" cstate="print">
+            <a:extLst>
+              <a:ext uri="{28A0092B-C50C-407E-A947-70E740481C1C}">
+                <a14:useLocalDpi xmlns:a14="http://schemas.microsoft.com/office/drawing/2010/main" val="0"/>
+              </a:ext>
+            </a:extLst>
+          </a:blip>
+          <a:stretch>
+            <a:fillRect/>
+          </a:stretch>
+        </p:blipFill>
+        <p:spPr>
+          <a:xfrm>
+            <a:off x="929870" y="3080161"/>
+            <a:ext cx="146667" cy="142857"/>
+          </a:xfrm>
+          <a:prstGeom prst="rect">
+            <a:avLst/>
+          </a:prstGeom>
+        </p:spPr>
+      </p:pic>
+      <p:pic>
+        <p:nvPicPr>
+          <p:cNvPr id="23" name="Imagen 22"/>
+          <p:cNvPicPr>
+            <a:picLocks noChangeAspect="1"/>
+          </p:cNvPicPr>
+          <p:nvPr>
+            <p:custDataLst>
+              <p:tags r:id="rId3"/>
+            </p:custDataLst>
+          </p:nvPr>
+        </p:nvPicPr>
+        <p:blipFill>
+          <a:blip r:embed="rId24" cstate="print">
+            <a:extLst>
+              <a:ext uri="{28A0092B-C50C-407E-A947-70E740481C1C}">
+                <a14:useLocalDpi xmlns:a14="http://schemas.microsoft.com/office/drawing/2010/main" val="0"/>
+              </a:ext>
+            </a:extLst>
+          </a:blip>
+          <a:stretch>
+            <a:fillRect/>
+          </a:stretch>
+        </p:blipFill>
+        <p:spPr>
+          <a:xfrm>
+            <a:off x="1359625" y="2343005"/>
+            <a:ext cx="119634" cy="223824"/>
+          </a:xfrm>
+          <a:prstGeom prst="rect">
+            <a:avLst/>
+          </a:prstGeom>
+        </p:spPr>
+      </p:pic>
+      <p:pic>
+        <p:nvPicPr>
+          <p:cNvPr id="25" name="Imagen 24"/>
+          <p:cNvPicPr>
+            <a:picLocks noChangeAspect="1"/>
+          </p:cNvPicPr>
+          <p:nvPr>
+            <p:custDataLst>
+              <p:tags r:id="rId4"/>
+            </p:custDataLst>
+          </p:nvPr>
+        </p:nvPicPr>
+        <p:blipFill>
+          <a:blip r:embed="rId25" cstate="print">
+            <a:extLst>
+              <a:ext uri="{28A0092B-C50C-407E-A947-70E740481C1C}">
+                <a14:useLocalDpi xmlns:a14="http://schemas.microsoft.com/office/drawing/2010/main" val="0"/>
+              </a:ext>
+            </a:extLst>
+          </a:blip>
+          <a:stretch>
+            <a:fillRect/>
+          </a:stretch>
+        </p:blipFill>
+        <p:spPr>
+          <a:xfrm>
+            <a:off x="1671156" y="2786862"/>
+            <a:ext cx="128720" cy="144696"/>
+          </a:xfrm>
+          <a:prstGeom prst="rect">
+            <a:avLst/>
+          </a:prstGeom>
+        </p:spPr>
+      </p:pic>
+      <p:pic>
+        <p:nvPicPr>
+          <p:cNvPr id="26" name="Imagen 25"/>
+          <p:cNvPicPr>
+            <a:picLocks noChangeAspect="1"/>
+          </p:cNvPicPr>
+          <p:nvPr>
+            <p:custDataLst>
+              <p:tags r:id="rId5"/>
+            </p:custDataLst>
+          </p:nvPr>
+        </p:nvPicPr>
+        <p:blipFill>
+          <a:blip r:embed="rId26" cstate="print">
+            <a:extLst>
+              <a:ext uri="{28A0092B-C50C-407E-A947-70E740481C1C}">
+                <a14:useLocalDpi xmlns:a14="http://schemas.microsoft.com/office/drawing/2010/main" val="0"/>
+              </a:ext>
+            </a:extLst>
+          </a:blip>
+          <a:stretch>
+            <a:fillRect/>
+          </a:stretch>
+        </p:blipFill>
+        <p:spPr>
+          <a:xfrm>
+            <a:off x="2102611" y="2461697"/>
+            <a:ext cx="156025" cy="225725"/>
+          </a:xfrm>
+          <a:prstGeom prst="rect">
+            <a:avLst/>
+          </a:prstGeom>
+        </p:spPr>
+      </p:pic>
+      <p:pic>
+        <p:nvPicPr>
+          <p:cNvPr id="27" name="Imagen 26"/>
+          <p:cNvPicPr>
+            <a:picLocks noChangeAspect="1"/>
+          </p:cNvPicPr>
+          <p:nvPr>
+            <p:custDataLst>
+              <p:tags r:id="rId6"/>
+            </p:custDataLst>
+          </p:nvPr>
+        </p:nvPicPr>
+        <p:blipFill>
+          <a:blip r:embed="rId27" cstate="print">
+            <a:extLst>
+              <a:ext uri="{28A0092B-C50C-407E-A947-70E740481C1C}">
+                <a14:useLocalDpi xmlns:a14="http://schemas.microsoft.com/office/drawing/2010/main" val="0"/>
+              </a:ext>
+            </a:extLst>
+          </a:blip>
+          <a:stretch>
+            <a:fillRect/>
+          </a:stretch>
+        </p:blipFill>
+        <p:spPr>
+          <a:xfrm>
+            <a:off x="2546830" y="2642868"/>
+            <a:ext cx="128903" cy="145925"/>
+          </a:xfrm>
+          <a:prstGeom prst="rect">
+            <a:avLst/>
+          </a:prstGeom>
+        </p:spPr>
+      </p:pic>
+      <p:pic>
+        <p:nvPicPr>
+          <p:cNvPr id="30" name="Imagen 29"/>
+          <p:cNvPicPr>
+            <a:picLocks noChangeAspect="1"/>
+          </p:cNvPicPr>
+          <p:nvPr>
+            <p:custDataLst>
+              <p:tags r:id="rId7"/>
+            </p:custDataLst>
+          </p:nvPr>
+        </p:nvPicPr>
+        <p:blipFill>
+          <a:blip r:embed="rId28" cstate="print">
+            <a:extLst>
+              <a:ext uri="{28A0092B-C50C-407E-A947-70E740481C1C}">
+                <a14:useLocalDpi xmlns:a14="http://schemas.microsoft.com/office/drawing/2010/main" val="0"/>
+              </a:ext>
+            </a:extLst>
+          </a:blip>
+          <a:stretch>
+            <a:fillRect/>
+          </a:stretch>
+        </p:blipFill>
+        <p:spPr>
+          <a:xfrm>
+            <a:off x="1547017" y="1820466"/>
+            <a:ext cx="711619" cy="184381"/>
+          </a:xfrm>
+          <a:prstGeom prst="rect">
+            <a:avLst/>
+          </a:prstGeom>
+        </p:spPr>
+      </p:pic>
+      <p:pic>
+        <p:nvPicPr>
+          <p:cNvPr id="31" name="Imagen 30"/>
+          <p:cNvPicPr>
+            <a:picLocks noChangeAspect="1"/>
+          </p:cNvPicPr>
+          <p:nvPr>
+            <p:custDataLst>
+              <p:tags r:id="rId8"/>
+            </p:custDataLst>
+          </p:nvPr>
+        </p:nvPicPr>
+        <p:blipFill>
+          <a:blip r:embed="rId29" cstate="print">
+            <a:extLst>
+              <a:ext uri="{28A0092B-C50C-407E-A947-70E740481C1C}">
+                <a14:useLocalDpi xmlns:a14="http://schemas.microsoft.com/office/drawing/2010/main" val="0"/>
+              </a:ext>
+            </a:extLst>
+          </a:blip>
+          <a:stretch>
+            <a:fillRect/>
+          </a:stretch>
+        </p:blipFill>
+        <p:spPr>
+          <a:xfrm>
+            <a:off x="4657311" y="1820408"/>
+            <a:ext cx="719662" cy="185894"/>
+          </a:xfrm>
+          <a:prstGeom prst="rect">
+            <a:avLst/>
+          </a:prstGeom>
+        </p:spPr>
+      </p:pic>
+      <p:cxnSp>
+        <p:nvCxnSpPr>
+          <p:cNvPr id="33" name="Conector recto 32"/>
+          <p:cNvCxnSpPr/>
+          <p:nvPr/>
+        </p:nvCxnSpPr>
+        <p:spPr>
+          <a:xfrm>
+            <a:off x="3913142" y="1820408"/>
+            <a:ext cx="0" cy="2033674"/>
+          </a:xfrm>
+          <a:prstGeom prst="line">
+            <a:avLst/>
+          </a:prstGeom>
+          <a:ln w="25400">
+            <a:solidFill>
+              <a:srgbClr val="FF0000"/>
+            </a:solidFill>
+          </a:ln>
+        </p:spPr>
+        <p:style>
+          <a:lnRef idx="1">
+            <a:schemeClr val="accent1"/>
+          </a:lnRef>
+          <a:fillRef idx="0">
+            <a:schemeClr val="accent1"/>
+          </a:fillRef>
+          <a:effectRef idx="0">
+            <a:schemeClr val="accent1"/>
+          </a:effectRef>
+          <a:fontRef idx="minor">
+            <a:schemeClr val="tx1"/>
+          </a:fontRef>
+        </p:style>
+      </p:cxnSp>
+      <p:pic>
+        <p:nvPicPr>
+          <p:cNvPr id="230" name="Imagen 229"/>
+          <p:cNvPicPr>
+            <a:picLocks noChangeAspect="1"/>
+          </p:cNvPicPr>
+          <p:nvPr>
+            <p:custDataLst>
+              <p:tags r:id="rId9"/>
+            </p:custDataLst>
+          </p:nvPr>
+        </p:nvPicPr>
+        <p:blipFill>
+          <a:blip r:embed="rId23" cstate="print">
+            <a:extLst>
+              <a:ext uri="{28A0092B-C50C-407E-A947-70E740481C1C}">
+                <a14:useLocalDpi xmlns:a14="http://schemas.microsoft.com/office/drawing/2010/main" val="0"/>
+              </a:ext>
+            </a:extLst>
+          </a:blip>
+          <a:stretch>
+            <a:fillRect/>
+          </a:stretch>
+        </p:blipFill>
+        <p:spPr>
+          <a:xfrm>
+            <a:off x="4409750" y="3080161"/>
+            <a:ext cx="146667" cy="142857"/>
+          </a:xfrm>
+          <a:prstGeom prst="rect">
+            <a:avLst/>
+          </a:prstGeom>
+        </p:spPr>
+      </p:pic>
+      <p:pic>
+        <p:nvPicPr>
+          <p:cNvPr id="233" name="Imagen 232"/>
+          <p:cNvPicPr>
+            <a:picLocks noChangeAspect="1"/>
+          </p:cNvPicPr>
+          <p:nvPr>
+            <p:custDataLst>
+              <p:tags r:id="rId10"/>
+            </p:custDataLst>
+          </p:nvPr>
+        </p:nvPicPr>
+        <p:blipFill>
+          <a:blip r:embed="rId24" cstate="print">
+            <a:extLst>
+              <a:ext uri="{28A0092B-C50C-407E-A947-70E740481C1C}">
+                <a14:useLocalDpi xmlns:a14="http://schemas.microsoft.com/office/drawing/2010/main" val="0"/>
+              </a:ext>
+            </a:extLst>
+          </a:blip>
+          <a:stretch>
+            <a:fillRect/>
+          </a:stretch>
+        </p:blipFill>
+        <p:spPr>
+          <a:xfrm>
+            <a:off x="4839505" y="2343005"/>
+            <a:ext cx="119634" cy="223824"/>
+          </a:xfrm>
+          <a:prstGeom prst="rect">
+            <a:avLst/>
+          </a:prstGeom>
+        </p:spPr>
+      </p:pic>
+      <p:pic>
+        <p:nvPicPr>
+          <p:cNvPr id="235" name="Imagen 234"/>
+          <p:cNvPicPr>
+            <a:picLocks noChangeAspect="1"/>
+          </p:cNvPicPr>
+          <p:nvPr>
+            <p:custDataLst>
+              <p:tags r:id="rId11"/>
+            </p:custDataLst>
+          </p:nvPr>
+        </p:nvPicPr>
+        <p:blipFill>
+          <a:blip r:embed="rId25" cstate="print">
+            <a:extLst>
+              <a:ext uri="{28A0092B-C50C-407E-A947-70E740481C1C}">
+                <a14:useLocalDpi xmlns:a14="http://schemas.microsoft.com/office/drawing/2010/main" val="0"/>
+              </a:ext>
+            </a:extLst>
+          </a:blip>
+          <a:stretch>
+            <a:fillRect/>
+          </a:stretch>
+        </p:blipFill>
+        <p:spPr>
+          <a:xfrm>
+            <a:off x="5150552" y="3518552"/>
+            <a:ext cx="128720" cy="144696"/>
+          </a:xfrm>
+          <a:prstGeom prst="rect">
+            <a:avLst/>
+          </a:prstGeom>
+        </p:spPr>
+      </p:pic>
+      <p:pic>
+        <p:nvPicPr>
+          <p:cNvPr id="4" name="Imagen 3"/>
+          <p:cNvPicPr>
+            <a:picLocks noChangeAspect="1"/>
+          </p:cNvPicPr>
+          <p:nvPr>
+            <p:custDataLst>
+              <p:tags r:id="rId12"/>
+            </p:custDataLst>
+          </p:nvPr>
+        </p:nvPicPr>
+        <p:blipFill>
+          <a:blip r:embed="rId30" cstate="print">
+            <a:extLst>
+              <a:ext uri="{28A0092B-C50C-407E-A947-70E740481C1C}">
+                <a14:useLocalDpi xmlns:a14="http://schemas.microsoft.com/office/drawing/2010/main" val="0"/>
+              </a:ext>
+            </a:extLst>
+          </a:blip>
+          <a:stretch>
+            <a:fillRect/>
+          </a:stretch>
+        </p:blipFill>
+        <p:spPr>
+          <a:xfrm>
+            <a:off x="8334262" y="1817472"/>
+            <a:ext cx="2805011" cy="257098"/>
+          </a:xfrm>
+          <a:prstGeom prst="rect">
+            <a:avLst/>
+          </a:prstGeom>
+        </p:spPr>
+      </p:pic>
+      <p:pic>
+        <p:nvPicPr>
+          <p:cNvPr id="265" name="Imagen 264"/>
+          <p:cNvPicPr>
+            <a:picLocks noChangeAspect="1"/>
+          </p:cNvPicPr>
+          <p:nvPr>
+            <p:custDataLst>
+              <p:tags r:id="rId13"/>
+            </p:custDataLst>
+          </p:nvPr>
+        </p:nvPicPr>
+        <p:blipFill>
+          <a:blip r:embed="rId23" cstate="print">
+            <a:extLst>
+              <a:ext uri="{28A0092B-C50C-407E-A947-70E740481C1C}">
+                <a14:useLocalDpi xmlns:a14="http://schemas.microsoft.com/office/drawing/2010/main" val="0"/>
+              </a:ext>
+            </a:extLst>
+          </a:blip>
+          <a:stretch>
+            <a:fillRect/>
+          </a:stretch>
+        </p:blipFill>
+        <p:spPr>
+          <a:xfrm>
+            <a:off x="7784872" y="3076854"/>
+            <a:ext cx="146667" cy="142857"/>
+          </a:xfrm>
+          <a:prstGeom prst="rect">
+            <a:avLst/>
+          </a:prstGeom>
+        </p:spPr>
+      </p:pic>
+      <p:pic>
+        <p:nvPicPr>
+          <p:cNvPr id="266" name="Imagen 265"/>
+          <p:cNvPicPr>
+            <a:picLocks noChangeAspect="1"/>
+          </p:cNvPicPr>
+          <p:nvPr>
+            <p:custDataLst>
+              <p:tags r:id="rId14"/>
+            </p:custDataLst>
+          </p:nvPr>
+        </p:nvPicPr>
+        <p:blipFill>
+          <a:blip r:embed="rId24" cstate="print">
+            <a:extLst>
+              <a:ext uri="{28A0092B-C50C-407E-A947-70E740481C1C}">
+                <a14:useLocalDpi xmlns:a14="http://schemas.microsoft.com/office/drawing/2010/main" val="0"/>
+              </a:ext>
+            </a:extLst>
+          </a:blip>
+          <a:stretch>
+            <a:fillRect/>
+          </a:stretch>
+        </p:blipFill>
+        <p:spPr>
+          <a:xfrm>
+            <a:off x="8214627" y="2339698"/>
+            <a:ext cx="119634" cy="223824"/>
+          </a:xfrm>
+          <a:prstGeom prst="rect">
+            <a:avLst/>
+          </a:prstGeom>
+        </p:spPr>
+      </p:pic>
+      <p:pic>
+        <p:nvPicPr>
+          <p:cNvPr id="267" name="Imagen 266"/>
+          <p:cNvPicPr>
+            <a:picLocks noChangeAspect="1"/>
+          </p:cNvPicPr>
+          <p:nvPr>
+            <p:custDataLst>
+              <p:tags r:id="rId15"/>
+            </p:custDataLst>
+          </p:nvPr>
+        </p:nvPicPr>
+        <p:blipFill>
+          <a:blip r:embed="rId25" cstate="print">
+            <a:extLst>
+              <a:ext uri="{28A0092B-C50C-407E-A947-70E740481C1C}">
+                <a14:useLocalDpi xmlns:a14="http://schemas.microsoft.com/office/drawing/2010/main" val="0"/>
+              </a:ext>
+            </a:extLst>
+          </a:blip>
+          <a:stretch>
+            <a:fillRect/>
+          </a:stretch>
+        </p:blipFill>
+        <p:spPr>
+          <a:xfrm>
+            <a:off x="8525674" y="3515245"/>
+            <a:ext cx="128720" cy="144696"/>
+          </a:xfrm>
+          <a:prstGeom prst="rect">
+            <a:avLst/>
+          </a:prstGeom>
+        </p:spPr>
+      </p:pic>
+      <p:pic>
+        <p:nvPicPr>
+          <p:cNvPr id="268" name="Imagen 267"/>
+          <p:cNvPicPr>
+            <a:picLocks noChangeAspect="1"/>
+          </p:cNvPicPr>
+          <p:nvPr>
+            <p:custDataLst>
+              <p:tags r:id="rId16"/>
+            </p:custDataLst>
+          </p:nvPr>
+        </p:nvPicPr>
+        <p:blipFill>
+          <a:blip r:embed="rId23" cstate="print">
+            <a:extLst>
+              <a:ext uri="{28A0092B-C50C-407E-A947-70E740481C1C}">
+                <a14:useLocalDpi xmlns:a14="http://schemas.microsoft.com/office/drawing/2010/main" val="0"/>
+              </a:ext>
+            </a:extLst>
+          </a:blip>
+          <a:stretch>
+            <a:fillRect/>
+          </a:stretch>
+        </p:blipFill>
+        <p:spPr>
+          <a:xfrm>
+            <a:off x="8948031" y="3086120"/>
+            <a:ext cx="146667" cy="142857"/>
+          </a:xfrm>
+          <a:prstGeom prst="rect">
+            <a:avLst/>
+          </a:prstGeom>
+        </p:spPr>
+      </p:pic>
+      <p:pic>
+        <p:nvPicPr>
+          <p:cNvPr id="269" name="Imagen 268"/>
+          <p:cNvPicPr>
+            <a:picLocks noChangeAspect="1"/>
+          </p:cNvPicPr>
+          <p:nvPr>
+            <p:custDataLst>
+              <p:tags r:id="rId17"/>
+            </p:custDataLst>
+          </p:nvPr>
+        </p:nvPicPr>
+        <p:blipFill>
+          <a:blip r:embed="rId24" cstate="print">
+            <a:extLst>
+              <a:ext uri="{28A0092B-C50C-407E-A947-70E740481C1C}">
+                <a14:useLocalDpi xmlns:a14="http://schemas.microsoft.com/office/drawing/2010/main" val="0"/>
+              </a:ext>
+            </a:extLst>
+          </a:blip>
+          <a:stretch>
+            <a:fillRect/>
+          </a:stretch>
+        </p:blipFill>
+        <p:spPr>
+          <a:xfrm>
+            <a:off x="9383910" y="2333880"/>
+            <a:ext cx="119634" cy="223824"/>
+          </a:xfrm>
+          <a:prstGeom prst="rect">
+            <a:avLst/>
+          </a:prstGeom>
+        </p:spPr>
+      </p:pic>
+      <p:cxnSp>
+        <p:nvCxnSpPr>
+          <p:cNvPr id="270" name="Conector recto de flecha 269"/>
+          <p:cNvCxnSpPr/>
+          <p:nvPr/>
+        </p:nvCxnSpPr>
+        <p:spPr>
+          <a:xfrm flipV="1">
+            <a:off x="8706554" y="3300406"/>
+            <a:ext cx="236217" cy="242283"/>
+          </a:xfrm>
+          <a:prstGeom prst="straightConnector1">
+            <a:avLst/>
+          </a:prstGeom>
+          <a:ln w="12700">
+            <a:solidFill>
+              <a:srgbClr val="00B050"/>
+            </a:solidFill>
+            <a:tailEnd type="triangle"/>
+          </a:ln>
+        </p:spPr>
+        <p:style>
+          <a:lnRef idx="1">
+            <a:schemeClr val="accent1"/>
+          </a:lnRef>
+          <a:fillRef idx="0">
+            <a:schemeClr val="accent1"/>
+          </a:fillRef>
+          <a:effectRef idx="0">
+            <a:schemeClr val="accent1"/>
+          </a:effectRef>
+          <a:fontRef idx="minor">
+            <a:schemeClr val="tx1"/>
+          </a:fontRef>
+        </p:style>
+      </p:cxnSp>
+      <p:cxnSp>
+        <p:nvCxnSpPr>
+          <p:cNvPr id="271" name="Conector recto de flecha 270"/>
+          <p:cNvCxnSpPr/>
+          <p:nvPr/>
+        </p:nvCxnSpPr>
+        <p:spPr>
+          <a:xfrm flipV="1">
+            <a:off x="9094698" y="2616643"/>
+            <a:ext cx="210525" cy="385451"/>
+          </a:xfrm>
+          <a:prstGeom prst="straightConnector1">
+            <a:avLst/>
+          </a:prstGeom>
+          <a:ln w="12700">
+            <a:solidFill>
+              <a:srgbClr val="00B050"/>
+            </a:solidFill>
+            <a:tailEnd type="triangle"/>
+          </a:ln>
+        </p:spPr>
+        <p:style>
+          <a:lnRef idx="1">
+            <a:schemeClr val="accent1"/>
+          </a:lnRef>
+          <a:fillRef idx="0">
+            <a:schemeClr val="accent1"/>
+          </a:fillRef>
+          <a:effectRef idx="0">
+            <a:schemeClr val="accent1"/>
+          </a:effectRef>
+          <a:fontRef idx="minor">
+            <a:schemeClr val="tx1"/>
+          </a:fontRef>
+        </p:style>
+      </p:cxnSp>
+      <p:cxnSp>
+        <p:nvCxnSpPr>
+          <p:cNvPr id="272" name="Conector recto 271"/>
+          <p:cNvCxnSpPr/>
+          <p:nvPr/>
+        </p:nvCxnSpPr>
+        <p:spPr>
+          <a:xfrm>
+            <a:off x="7073231" y="1817472"/>
+            <a:ext cx="0" cy="2033674"/>
+          </a:xfrm>
+          <a:prstGeom prst="line">
+            <a:avLst/>
+          </a:prstGeom>
+          <a:ln w="25400">
+            <a:solidFill>
+              <a:srgbClr val="FF0000"/>
+            </a:solidFill>
+          </a:ln>
+        </p:spPr>
+        <p:style>
+          <a:lnRef idx="1">
+            <a:schemeClr val="accent1"/>
+          </a:lnRef>
+          <a:fillRef idx="0">
+            <a:schemeClr val="accent1"/>
+          </a:fillRef>
+          <a:effectRef idx="0">
+            <a:schemeClr val="accent1"/>
+          </a:effectRef>
+          <a:fontRef idx="minor">
+            <a:schemeClr val="tx1"/>
+          </a:fontRef>
+        </p:style>
+      </p:cxnSp>
+      <p:pic>
+        <p:nvPicPr>
+          <p:cNvPr id="273" name="Imagen 272"/>
+          <p:cNvPicPr>
+            <a:picLocks noChangeAspect="1"/>
+          </p:cNvPicPr>
+          <p:nvPr>
+            <p:custDataLst>
+              <p:tags r:id="rId18"/>
+            </p:custDataLst>
+          </p:nvPr>
+        </p:nvPicPr>
+        <p:blipFill>
+          <a:blip r:embed="rId26" cstate="print">
+            <a:extLst>
+              <a:ext uri="{28A0092B-C50C-407E-A947-70E740481C1C}">
+                <a14:useLocalDpi xmlns:a14="http://schemas.microsoft.com/office/drawing/2010/main" val="0"/>
+              </a:ext>
+            </a:extLst>
+          </a:blip>
+          <a:stretch>
+            <a:fillRect/>
+          </a:stretch>
+        </p:blipFill>
+        <p:spPr>
+          <a:xfrm>
+            <a:off x="5501085" y="2465052"/>
+            <a:ext cx="156025" cy="225725"/>
+          </a:xfrm>
+          <a:prstGeom prst="rect">
+            <a:avLst/>
+          </a:prstGeom>
+        </p:spPr>
+      </p:pic>
+      <p:pic>
+        <p:nvPicPr>
+          <p:cNvPr id="280" name="Imagen 279"/>
+          <p:cNvPicPr>
+            <a:picLocks noChangeAspect="1"/>
+          </p:cNvPicPr>
+          <p:nvPr>
+            <p:custDataLst>
+              <p:tags r:id="rId19"/>
+            </p:custDataLst>
+          </p:nvPr>
+        </p:nvPicPr>
+        <p:blipFill>
+          <a:blip r:embed="rId27" cstate="print">
+            <a:extLst>
+              <a:ext uri="{28A0092B-C50C-407E-A947-70E740481C1C}">
+                <a14:useLocalDpi xmlns:a14="http://schemas.microsoft.com/office/drawing/2010/main" val="0"/>
+              </a:ext>
+            </a:extLst>
+          </a:blip>
+          <a:stretch>
+            <a:fillRect/>
+          </a:stretch>
+        </p:blipFill>
+        <p:spPr>
+          <a:xfrm>
+            <a:off x="5896852" y="2665469"/>
+            <a:ext cx="128903" cy="145925"/>
+          </a:xfrm>
+          <a:prstGeom prst="rect">
+            <a:avLst/>
+          </a:prstGeom>
+        </p:spPr>
+      </p:pic>
+      <p:cxnSp>
+        <p:nvCxnSpPr>
+          <p:cNvPr id="63" name="Conector recto de flecha 62"/>
+          <p:cNvCxnSpPr/>
+          <p:nvPr/>
+        </p:nvCxnSpPr>
+        <p:spPr>
+          <a:xfrm>
+            <a:off x="4821119" y="336488"/>
+            <a:ext cx="1672045" cy="0"/>
+          </a:xfrm>
+          <a:prstGeom prst="straightConnector1">
+            <a:avLst/>
+          </a:prstGeom>
+          <a:ln w="47625">
+            <a:solidFill>
+              <a:srgbClr val="00B050"/>
+            </a:solidFill>
+            <a:tailEnd type="triangle"/>
+          </a:ln>
+        </p:spPr>
+        <p:style>
+          <a:lnRef idx="1">
+            <a:schemeClr val="accent1"/>
+          </a:lnRef>
+          <a:fillRef idx="0">
+            <a:schemeClr val="accent1"/>
+          </a:fillRef>
+          <a:effectRef idx="0">
+            <a:schemeClr val="accent1"/>
+          </a:effectRef>
+          <a:fontRef idx="minor">
+            <a:schemeClr val="tx1"/>
+          </a:fontRef>
+        </p:style>
+      </p:cxnSp>
+      <p:pic>
+        <p:nvPicPr>
+          <p:cNvPr id="68" name="Imagen 67"/>
+          <p:cNvPicPr>
+            <a:picLocks noChangeAspect="1"/>
+          </p:cNvPicPr>
+          <p:nvPr>
+            <p:custDataLst>
+              <p:tags r:id="rId20"/>
+            </p:custDataLst>
+          </p:nvPr>
+        </p:nvPicPr>
+        <p:blipFill>
+          <a:blip r:embed="rId31" cstate="print">
+            <a:extLst>
+              <a:ext uri="{28A0092B-C50C-407E-A947-70E740481C1C}">
+                <a14:useLocalDpi xmlns:a14="http://schemas.microsoft.com/office/drawing/2010/main" val="0"/>
+              </a:ext>
+            </a:extLst>
+          </a:blip>
+          <a:stretch>
+            <a:fillRect/>
+          </a:stretch>
+        </p:blipFill>
+        <p:spPr>
+          <a:xfrm>
+            <a:off x="6751743" y="232460"/>
+            <a:ext cx="2945666" cy="173591"/>
+          </a:xfrm>
+          <a:prstGeom prst="rect">
+            <a:avLst/>
+          </a:prstGeom>
+        </p:spPr>
+      </p:pic>
+      <p:sp>
+        <p:nvSpPr>
+          <p:cNvPr id="3" name="Elipse 2"/>
+          <p:cNvSpPr/>
+          <p:nvPr/>
+        </p:nvSpPr>
+        <p:spPr>
+          <a:xfrm rot="2009446">
+            <a:off x="8758188" y="1999329"/>
+            <a:ext cx="568336" cy="2069134"/>
+          </a:xfrm>
+          <a:prstGeom prst="ellipse">
+            <a:avLst/>
+          </a:prstGeom>
+          <a:noFill/>
+          <a:ln w="25400">
+            <a:solidFill>
+              <a:srgbClr val="00B050"/>
+            </a:solidFill>
+          </a:ln>
+        </p:spPr>
+        <p:style>
+          <a:lnRef idx="2">
+            <a:schemeClr val="accent1">
+              <a:shade val="50000"/>
+            </a:schemeClr>
+          </a:lnRef>
+          <a:fillRef idx="1">
+            <a:schemeClr val="accent1"/>
+          </a:fillRef>
+          <a:effectRef idx="0">
+            <a:schemeClr val="accent1"/>
+          </a:effectRef>
+          <a:fontRef idx="minor">
+            <a:schemeClr val="lt1"/>
+          </a:fontRef>
+        </p:style>
+        <p:txBody>
+          <a:bodyPr rtlCol="0" anchor="ctr"/>
+          <a:lstStyle/>
+          <a:p>
+            <a:pPr algn="ctr"/>
+            <a:endParaRPr lang="es-CO"/>
+          </a:p>
+        </p:txBody>
+      </p:sp>
+    </p:spTree>
+    <p:extLst>
+      <p:ext uri="{BB962C8B-B14F-4D97-AF65-F5344CB8AC3E}">
+        <p14:creationId xmlns:p14="http://schemas.microsoft.com/office/powerpoint/2010/main" val="3043105447"/>
       </p:ext>
     </p:extLst>
   </p:cSld>
@@ -15264,6 +16896,44 @@
 </p:tagLst>
 </file>
 
+<file path=ppt/tags/tag48.xml><?xml version="1.0" encoding="utf-8"?>
+<p:tagLst xmlns:a="http://schemas.openxmlformats.org/drawingml/2006/main" xmlns:r="http://schemas.openxmlformats.org/officeDocument/2006/relationships" xmlns:p="http://schemas.openxmlformats.org/presentationml/2006/main">
+  <p:tag name="OUTPUTDPI" val="1200"/>
+  <p:tag name="ORIGINALHEIGHT" val="111,7361"/>
+  <p:tag name="ORIGINALWIDTH" val="2362,955"/>
+  <p:tag name="LATEXADDIN" val="\documentclass{article}&#10;\usepackage{amsmath}&#10;\usepackage{enumerate}&#10;\usepackage{amssymb}&#10;\usepackage[spanish]{babel}&#10;\usepackage[utf8]{inputenc}&#10;\usepackage{xcolor}&#10;\usepackage[margin=5.3cm]{geometry}&#10;&#10;\pagestyle{empty}&#10;&#10;&#10;\begin{document}&#10;\noindent \textbf{\color{black}&#10;algunas observaciones sobre los ciclos:&#10;}&#10;\end{document}"/>
+  <p:tag name="IGUANATEXSIZE" val="18"/>
+  <p:tag name="IGUANATEXCURSOR" val="310"/>
+  <p:tag name="TRANSPARENCY" val="Verdadero"/>
+  <p:tag name="FILENAME" val=""/>
+  <p:tag name="LATEXENGINEID" val="0"/>
+  <p:tag name="TEMPFOLDER" val="c:\temp\"/>
+  <p:tag name="LATEXFORMHEIGHT" val="324,75"/>
+  <p:tag name="LATEXFORMWIDTH" val="384"/>
+  <p:tag name="LATEXFORMWRAP" val="Verdadero"/>
+  <p:tag name="BITMAPVECTOR" val="0"/>
+</p:tagLst>
+</file>
+
+<file path=ppt/tags/tag49.xml><?xml version="1.0" encoding="utf-8"?>
+<p:tagLst xmlns:a="http://schemas.openxmlformats.org/drawingml/2006/main" xmlns:r="http://schemas.openxmlformats.org/officeDocument/2006/relationships" xmlns:p="http://schemas.openxmlformats.org/presentationml/2006/main">
+  <p:tag name="OUTPUTDPI" val="1200"/>
+  <p:tag name="ORIGINALHEIGHT" val="113,2358"/>
+  <p:tag name="ORIGINALWIDTH" val="4768,654"/>
+  <p:tag name="LATEXADDIN" val="\documentclass{article}&#10;\usepackage{amsmath}&#10;\usepackage{enumerate}&#10;\usepackage{amssymb}&#10;\usepackage[spanish]{babel}&#10;\usepackage[utf8]{inputenc}&#10;\usepackage{xcolor}&#10;\usepackage[margin=3.3cm]{geometry}&#10;&#10;\pagestyle{empty}&#10;&#10;&#10;\begin{document}&#10;\begin{itemize}&#10;\color{red}\item O1: \color{black} no pueden haber 2 transiciones consecutivas a estados de mayor \# de individuos.&#10;\end{itemize}&#10;\end{document}"/>
+  <p:tag name="IGUANATEXSIZE" val="19"/>
+  <p:tag name="IGUANATEXCURSOR" val="291"/>
+  <p:tag name="TRANSPARENCY" val="Verdadero"/>
+  <p:tag name="FILENAME" val=""/>
+  <p:tag name="LATEXENGINEID" val="0"/>
+  <p:tag name="TEMPFOLDER" val="c:\temp\"/>
+  <p:tag name="LATEXFORMHEIGHT" val="324,75"/>
+  <p:tag name="LATEXFORMWIDTH" val="384"/>
+  <p:tag name="LATEXFORMWRAP" val="Verdadero"/>
+  <p:tag name="BITMAPVECTOR" val="0"/>
+</p:tagLst>
+</file>
+
 <file path=ppt/tags/tag5.xml><?xml version="1.0" encoding="utf-8"?>
 <p:tagLst xmlns:a="http://schemas.openxmlformats.org/drawingml/2006/main" xmlns:r="http://schemas.openxmlformats.org/officeDocument/2006/relationships" xmlns:p="http://schemas.openxmlformats.org/presentationml/2006/main">
   <p:tag name="OUTPUTDPI" val="1200"/>
@@ -15272,6 +16942,196 @@
   <p:tag name="LATEXADDIN" val="\documentclass{article}&#10;\usepackage{amsmath}&#10;\usepackage{enumerate}&#10;\usepackage{amssymb}&#10;\usepackage[spanish]{babel}&#10;\usepackage[utf8]{inputenc}&#10;\usepackage{xcolor}&#10;\usepackage[margin=5.3cm]{geometry}&#10;&#10;\pagestyle{empty}&#10;&#10;&#10;\begin{document}&#10;\noindent {\color{black}$u_1=-1$}&#10;\end{document}"/>
   <p:tag name="IGUANATEXSIZE" val="18"/>
   <p:tag name="IGUANATEXCURSOR" val="270"/>
+  <p:tag name="TRANSPARENCY" val="Verdadero"/>
+  <p:tag name="FILENAME" val=""/>
+  <p:tag name="LATEXENGINEID" val="0"/>
+  <p:tag name="TEMPFOLDER" val="c:\temp\"/>
+  <p:tag name="LATEXFORMHEIGHT" val="324,75"/>
+  <p:tag name="LATEXFORMWIDTH" val="384"/>
+  <p:tag name="LATEXFORMWRAP" val="Verdadero"/>
+  <p:tag name="BITMAPVECTOR" val="0"/>
+</p:tagLst>
+</file>
+
+<file path=ppt/tags/tag50.xml><?xml version="1.0" encoding="utf-8"?>
+<p:tagLst xmlns:a="http://schemas.openxmlformats.org/drawingml/2006/main" xmlns:r="http://schemas.openxmlformats.org/officeDocument/2006/relationships" xmlns:p="http://schemas.openxmlformats.org/presentationml/2006/main">
+  <p:tag name="OUTPUTDPI" val="1200"/>
+  <p:tag name="ORIGINALHEIGHT" val="111,7361"/>
+  <p:tag name="ORIGINALWIDTH" val="4772,403"/>
+  <p:tag name="LATEXADDIN" val="\documentclass{article}&#10;\usepackage{amsmath}&#10;\usepackage{enumerate}&#10;\usepackage{amssymb}&#10;\usepackage[spanish]{babel}&#10;\usepackage[utf8]{inputenc}&#10;\usepackage{xcolor}&#10;\usepackage[margin=3.3cm]{geometry}&#10;&#10;\pagestyle{empty}&#10;&#10;&#10;\begin{document}&#10;\begin{itemize}&#10;\color{red}\item O2: \color{black} no pueden haber 2 transiciones consecutivas a estados de menor \# de individuos.&#10;\end{itemize}&#10;\end{document}"/>
+  <p:tag name="IGUANATEXSIZE" val="19"/>
+  <p:tag name="IGUANATEXCURSOR" val="291"/>
+  <p:tag name="TRANSPARENCY" val="Verdadero"/>
+  <p:tag name="FILENAME" val=""/>
+  <p:tag name="LATEXENGINEID" val="0"/>
+  <p:tag name="TEMPFOLDER" val="c:\temp\"/>
+  <p:tag name="LATEXFORMHEIGHT" val="324,75"/>
+  <p:tag name="LATEXFORMWIDTH" val="384"/>
+  <p:tag name="LATEXFORMWRAP" val="Verdadero"/>
+  <p:tag name="BITMAPVECTOR" val="0"/>
+</p:tagLst>
+</file>
+
+<file path=ppt/tags/tag51.xml><?xml version="1.0" encoding="utf-8"?>
+<p:tagLst xmlns:a="http://schemas.openxmlformats.org/drawingml/2006/main" xmlns:r="http://schemas.openxmlformats.org/officeDocument/2006/relationships" xmlns:p="http://schemas.openxmlformats.org/presentationml/2006/main">
+  <p:tag name="OUTPUTDPI" val="1200"/>
+  <p:tag name="ORIGINALHEIGHT" val="410,1987"/>
+  <p:tag name="ORIGINALWIDTH" val="5303,337"/>
+  <p:tag name="LATEXADDIN" val="\documentclass{article}&#10;\usepackage{amsmath}&#10;\usepackage{enumerate}&#10;\usepackage{amssymb}&#10;\usepackage[spanish]{babel}&#10;\usepackage[utf8]{inputenc}&#10;\usepackage{xcolor}&#10;\usepackage[margin=3.3cm]{geometry}&#10;&#10;\pagestyle{empty}&#10;&#10;&#10;\begin{document}&#10;\color{red} Razón: \color{black} la primera transición es más atractiva que la segunda puesto que en la primera hay menos gente en el bar (más razones para ir el día siguiente). Por lo tanto, no hay motivo para creer que los individuos que no eligieron la primera transición, elijan la segunda. &#10;\end{document}"/>
+  <p:tag name="IGUANATEXSIZE" val="17"/>
+  <p:tag name="IGUANATEXCURSOR" val="185"/>
+  <p:tag name="TRANSPARENCY" val="Verdadero"/>
+  <p:tag name="FILENAME" val=""/>
+  <p:tag name="LATEXENGINEID" val="0"/>
+  <p:tag name="TEMPFOLDER" val="c:\temp\"/>
+  <p:tag name="LATEXFORMHEIGHT" val="324,75"/>
+  <p:tag name="LATEXFORMWIDTH" val="384"/>
+  <p:tag name="LATEXFORMWRAP" val="Verdadero"/>
+  <p:tag name="BITMAPVECTOR" val="0"/>
+</p:tagLst>
+</file>
+
+<file path=ppt/tags/tag52.xml><?xml version="1.0" encoding="utf-8"?>
+<p:tagLst xmlns:a="http://schemas.openxmlformats.org/drawingml/2006/main" xmlns:r="http://schemas.openxmlformats.org/officeDocument/2006/relationships" xmlns:p="http://schemas.openxmlformats.org/presentationml/2006/main">
+  <p:tag name="OUTPUTDPI" val="1200"/>
+  <p:tag name="ORIGINALHEIGHT" val="410,1987"/>
+  <p:tag name="ORIGINALWIDTH" val="5304,087"/>
+  <p:tag name="LATEXADDIN" val="\documentclass{article}&#10;\usepackage{amsmath}&#10;\usepackage{enumerate}&#10;\usepackage{amssymb}&#10;\usepackage[spanish]{babel}&#10;\usepackage[utf8]{inputenc}&#10;\usepackage{xcolor}&#10;\usepackage[margin=3.3cm]{geometry}&#10;&#10;\pagestyle{empty}&#10;&#10;&#10;\begin{document}&#10;\color{red} Razón: \color{black} la primera transición es más atractiva que la segunda puesto que en la primera hay más gente en el bar (más razones para no ir el día siguiente). Por lo tanto, no hay motivo para creer que los individuos que no eligieron la primera transición, elijan la segunda. &#10;\end{document}"/>
+  <p:tag name="IGUANATEXSIZE" val="17"/>
+  <p:tag name="IGUANATEXCURSOR" val="185"/>
+  <p:tag name="TRANSPARENCY" val="Verdadero"/>
+  <p:tag name="FILENAME" val=""/>
+  <p:tag name="LATEXENGINEID" val="0"/>
+  <p:tag name="TEMPFOLDER" val="c:\temp\"/>
+  <p:tag name="LATEXFORMHEIGHT" val="324,75"/>
+  <p:tag name="LATEXFORMWIDTH" val="384"/>
+  <p:tag name="LATEXFORMWRAP" val="Verdadero"/>
+  <p:tag name="BITMAPVECTOR" val="0"/>
+</p:tagLst>
+</file>
+
+<file path=ppt/tags/tag53.xml><?xml version="1.0" encoding="utf-8"?>
+<p:tagLst xmlns:a="http://schemas.openxmlformats.org/drawingml/2006/main" xmlns:r="http://schemas.openxmlformats.org/officeDocument/2006/relationships" xmlns:p="http://schemas.openxmlformats.org/presentationml/2006/main">
+  <p:tag name="OUTPUTDPI" val="1200"/>
+  <p:tag name="ORIGINALHEIGHT" val="88,48898"/>
+  <p:tag name="ORIGINALWIDTH" val="1597,3"/>
+  <p:tag name="LATEXADDIN" val="\documentclass{article}&#10;\usepackage{amsmath}&#10;\usepackage{enumerate}&#10;\usepackage{amssymb}&#10;\usepackage[spanish]{babel}&#10;\usepackage[utf8]{inputenc}&#10;\usepackage{xcolor}&#10;\usepackage[margin=5.3cm]{geometry}&#10;&#10;\pagestyle{empty}&#10;\definecolor{verde}{RGB}{0,150,0}&#10;&#10;\begin{document}&#10;\noindent \textbf{\color{verde}&#10;sólo ciclos de dos estados:&#10;}&#10;\end{document}"/>
+  <p:tag name="IGUANATEXSIZE" val="18"/>
+  <p:tag name="IGUANATEXCURSOR" val="249"/>
+  <p:tag name="TRANSPARENCY" val="Verdadero"/>
+  <p:tag name="FILENAME" val=""/>
+  <p:tag name="LATEXENGINEID" val="0"/>
+  <p:tag name="TEMPFOLDER" val="c:\temp\"/>
+  <p:tag name="LATEXFORMHEIGHT" val="324,75"/>
+  <p:tag name="LATEXFORMWIDTH" val="384"/>
+  <p:tag name="LATEXFORMWRAP" val="Verdadero"/>
+  <p:tag name="BITMAPVECTOR" val="0"/>
+</p:tagLst>
+</file>
+
+<file path=ppt/tags/tag54.xml><?xml version="1.0" encoding="utf-8"?>
+<p:tagLst xmlns:a="http://schemas.openxmlformats.org/drawingml/2006/main" xmlns:r="http://schemas.openxmlformats.org/officeDocument/2006/relationships" xmlns:p="http://schemas.openxmlformats.org/presentationml/2006/main">
+  <p:tag name="OUTPUTDPI" val="1200"/>
+  <p:tag name="ORIGINALHEIGHT" val="111,7361"/>
+  <p:tag name="ORIGINALWIDTH" val="4320,96"/>
+  <p:tag name="LATEXADDIN" val="\documentclass{article}&#10;\usepackage{amsmath}&#10;\usepackage{enumerate}&#10;\usepackage{amssymb}&#10;\usepackage[spanish]{babel}&#10;\usepackage[utf8]{inputenc}&#10;\usepackage{xcolor}&#10;\usepackage[margin=3.3cm]{geometry}&#10;&#10;\pagestyle{empty}&#10;&#10;&#10;\begin{document}&#10;\begin{itemize}&#10;\color{red}\item O3: \color{black} de un estado no pueden haber transiciones a dos o más estados distintos. &#10;\end{itemize}&#10;\end{document}"/>
+  <p:tag name="IGUANATEXSIZE" val="19"/>
+  <p:tag name="IGUANATEXCURSOR" val="291"/>
+  <p:tag name="TRANSPARENCY" val="Verdadero"/>
+  <p:tag name="FILENAME" val=""/>
+  <p:tag name="LATEXENGINEID" val="0"/>
+  <p:tag name="TEMPFOLDER" val="c:\temp\"/>
+  <p:tag name="LATEXFORMHEIGHT" val="324,75"/>
+  <p:tag name="LATEXFORMWIDTH" val="384"/>
+  <p:tag name="LATEXFORMWRAP" val="Verdadero"/>
+  <p:tag name="BITMAPVECTOR" val="0"/>
+</p:tagLst>
+</file>
+
+<file path=ppt/tags/tag55.xml><?xml version="1.0" encoding="utf-8"?>
+<p:tagLst xmlns:a="http://schemas.openxmlformats.org/drawingml/2006/main" xmlns:r="http://schemas.openxmlformats.org/officeDocument/2006/relationships" xmlns:p="http://schemas.openxmlformats.org/presentationml/2006/main">
+  <p:tag name="OUTPUTDPI" val="1200"/>
+  <p:tag name="ORIGINALHEIGHT" val="89,23882"/>
+  <p:tag name="ORIGINALWIDTH" val="1490,064"/>
+  <p:tag name="LATEXADDIN" val="\documentclass{article}&#10;\usepackage{amsmath}&#10;\usepackage{enumerate}&#10;\usepackage{amssymb}&#10;\usepackage[spanish]{babel}&#10;\usepackage[utf8]{inputenc}&#10;\usepackage{xcolor}&#10;\usepackage[margin=3.3cm]{geometry}&#10;&#10;\pagestyle{empty}&#10;&#10;&#10;\begin{document}&#10;\color{red} Razón: \color{black} el sistema es causal. &#10;\end{document}"/>
+  <p:tag name="IGUANATEXSIZE" val="17"/>
+  <p:tag name="IGUANATEXCURSOR" val="294"/>
+  <p:tag name="TRANSPARENCY" val="Verdadero"/>
+  <p:tag name="FILENAME" val=""/>
+  <p:tag name="LATEXENGINEID" val="0"/>
+  <p:tag name="TEMPFOLDER" val="c:\temp\"/>
+  <p:tag name="LATEXFORMHEIGHT" val="324,75"/>
+  <p:tag name="LATEXFORMWIDTH" val="384"/>
+  <p:tag name="LATEXFORMWRAP" val="Verdadero"/>
+  <p:tag name="BITMAPVECTOR" val="0"/>
+</p:tagLst>
+</file>
+
+<file path=ppt/tags/tag56.xml><?xml version="1.0" encoding="utf-8"?>
+<p:tagLst xmlns:a="http://schemas.openxmlformats.org/drawingml/2006/main" xmlns:r="http://schemas.openxmlformats.org/officeDocument/2006/relationships" xmlns:p="http://schemas.openxmlformats.org/presentationml/2006/main">
+  <p:tag name="OUTPUTDPI" val="1200"/>
+  <p:tag name="ORIGINALHEIGHT" val="262,4672"/>
+  <p:tag name="ORIGINALWIDTH" val="5109,111"/>
+  <p:tag name="LATEXADDIN" val="\documentclass{article}&#10;\usepackage{amsmath}&#10;\usepackage{enumerate}&#10;\usepackage{amssymb}&#10;\usepackage[spanish]{babel}&#10;\usepackage[utf8]{inputenc}&#10;\usepackage{xcolor}&#10;\usepackage[margin=3.3cm]{geometry}&#10;&#10;\pagestyle{empty}&#10;&#10;&#10;\begin{document}&#10;\begin{itemize}&#10;\color{red}\item O4: \color{black} sean $a$, $b$, $c$ y $d$ el número de individuos de cuatro estados distintos, tales que $a&lt;b$ y $c&lt;d$. Si existen transiciones $a\to b$ y $c\to d$, y además $a&lt;c$, entonces $d\leq b$. &#10;\end{itemize}&#10;\end{document}"/>
+  <p:tag name="IGUANATEXSIZE" val="19"/>
+  <p:tag name="IGUANATEXCURSOR" val="373"/>
+  <p:tag name="TRANSPARENCY" val="Verdadero"/>
+  <p:tag name="FILENAME" val=""/>
+  <p:tag name="LATEXENGINEID" val="0"/>
+  <p:tag name="TEMPFOLDER" val="c:\temp\"/>
+  <p:tag name="LATEXFORMHEIGHT" val="324,75"/>
+  <p:tag name="LATEXFORMWIDTH" val="384"/>
+  <p:tag name="LATEXFORMWRAP" val="Verdadero"/>
+  <p:tag name="BITMAPVECTOR" val="0"/>
+</p:tagLst>
+</file>
+
+<file path=ppt/tags/tag57.xml><?xml version="1.0" encoding="utf-8"?>
+<p:tagLst xmlns:a="http://schemas.openxmlformats.org/drawingml/2006/main" xmlns:r="http://schemas.openxmlformats.org/officeDocument/2006/relationships" xmlns:p="http://schemas.openxmlformats.org/presentationml/2006/main">
+  <p:tag name="OUTPUTDPI" val="1200"/>
+  <p:tag name="ORIGINALHEIGHT" val="589,4263"/>
+  <p:tag name="ORIGINALWIDTH" val="6731,158"/>
+  <p:tag name="LATEXADDIN" val="\documentclass{article}&#10;\usepackage{amsmath}&#10;\usepackage{enumerate}&#10;\usepackage{amssymb}&#10;\usepackage[spanish]{babel}&#10;\usepackage[utf8]{inputenc}&#10;\usepackage{xcolor}&#10;\usepackage[margin=2.0cm]{geometry}&#10;&#10;\pagestyle{empty}&#10;&#10;&#10;\begin{document}&#10;\color{red} Razón: \color{black} el $\underbrace{\mbox{número de individuos que fueron al bar después de de que la noche anterior fueron $c$ individuos}}_{d}$ debe ser a lo sumo igual al $\underbrace{\mbox{número de individuos que fueron al bar después de que la noche anterior fueron menos de $c$ individuos}}_{b}$. &#10;\end{document}"/>
+  <p:tag name="IGUANATEXSIZE" val="15"/>
+  <p:tag name="IGUANATEXCURSOR" val="187"/>
+  <p:tag name="TRANSPARENCY" val="Verdadero"/>
+  <p:tag name="FILENAME" val=""/>
+  <p:tag name="LATEXENGINEID" val="0"/>
+  <p:tag name="TEMPFOLDER" val="c:\temp\"/>
+  <p:tag name="LATEXFORMHEIGHT" val="324,75"/>
+  <p:tag name="LATEXFORMWIDTH" val="384"/>
+  <p:tag name="LATEXFORMWRAP" val="Verdadero"/>
+  <p:tag name="BITMAPVECTOR" val="0"/>
+</p:tagLst>
+</file>
+
+<file path=ppt/tags/tag58.xml><?xml version="1.0" encoding="utf-8"?>
+<p:tagLst xmlns:a="http://schemas.openxmlformats.org/drawingml/2006/main" xmlns:r="http://schemas.openxmlformats.org/officeDocument/2006/relationships" xmlns:p="http://schemas.openxmlformats.org/presentationml/2006/main">
+  <p:tag name="OUTPUTDPI" val="1200"/>
+  <p:tag name="ORIGINALHEIGHT" val="111,7361"/>
+  <p:tag name="ORIGINALWIDTH" val="2362,955"/>
+  <p:tag name="LATEXADDIN" val="\documentclass{article}&#10;\usepackage{amsmath}&#10;\usepackage{enumerate}&#10;\usepackage{amssymb}&#10;\usepackage[spanish]{babel}&#10;\usepackage[utf8]{inputenc}&#10;\usepackage{xcolor}&#10;\usepackage[margin=5.3cm]{geometry}&#10;&#10;\pagestyle{empty}&#10;&#10;&#10;\begin{document}&#10;\noindent \textbf{\color{black}&#10;algunas observaciones sobre los ciclos:&#10;}&#10;\end{document}"/>
+  <p:tag name="IGUANATEXSIZE" val="18"/>
+  <p:tag name="IGUANATEXCURSOR" val="310"/>
+  <p:tag name="TRANSPARENCY" val="Verdadero"/>
+  <p:tag name="FILENAME" val=""/>
+  <p:tag name="LATEXENGINEID" val="0"/>
+  <p:tag name="TEMPFOLDER" val="c:\temp\"/>
+  <p:tag name="LATEXFORMHEIGHT" val="324,75"/>
+  <p:tag name="LATEXFORMWIDTH" val="384"/>
+  <p:tag name="LATEXFORMWRAP" val="Verdadero"/>
+  <p:tag name="BITMAPVECTOR" val="0"/>
+</p:tagLst>
+</file>
+
+<file path=ppt/tags/tag59.xml><?xml version="1.0" encoding="utf-8"?>
+<p:tagLst xmlns:a="http://schemas.openxmlformats.org/drawingml/2006/main" xmlns:r="http://schemas.openxmlformats.org/officeDocument/2006/relationships" xmlns:p="http://schemas.openxmlformats.org/presentationml/2006/main">
+  <p:tag name="OUTPUTDPI" val="1200"/>
+  <p:tag name="ORIGINALHEIGHT" val="56,24299"/>
+  <p:tag name="ORIGINALWIDTH" val="57,74276"/>
+  <p:tag name="LATEXADDIN" val="\documentclass{article}&#10;\usepackage{amsmath}&#10;\usepackage{enumerate}&#10;\usepackage{amssymb}&#10;\usepackage[spanish]{babel}&#10;\usepackage[utf8]{inputenc}&#10;\usepackage{xcolor}&#10;\usepackage[margin=5.3cm]{geometry}&#10;&#10;\pagestyle{empty}&#10;&#10;&#10;\begin{document}&#10;\color{blue}$a$ &#10;\end{document}"/>
+  <p:tag name="IGUANATEXSIZE" val="25"/>
+  <p:tag name="IGUANATEXCURSOR" val="220"/>
   <p:tag name="TRANSPARENCY" val="Verdadero"/>
   <p:tag name="FILENAME" val=""/>
   <p:tag name="LATEXENGINEID" val="0"/>
@@ -15302,6 +17162,196 @@
 </p:tagLst>
 </file>
 
+<file path=ppt/tags/tag60.xml><?xml version="1.0" encoding="utf-8"?>
+<p:tagLst xmlns:a="http://schemas.openxmlformats.org/drawingml/2006/main" xmlns:r="http://schemas.openxmlformats.org/officeDocument/2006/relationships" xmlns:p="http://schemas.openxmlformats.org/presentationml/2006/main">
+  <p:tag name="OUTPUTDPI" val="1200"/>
+  <p:tag name="ORIGINALHEIGHT" val="87,73905"/>
+  <p:tag name="ORIGINALWIDTH" val="46,49417"/>
+  <p:tag name="LATEXADDIN" val="\documentclass{article}&#10;\usepackage{amsmath}&#10;\usepackage{enumerate}&#10;\usepackage{amssymb}&#10;\usepackage[spanish]{babel}&#10;\usepackage[utf8]{inputenc}&#10;\usepackage{xcolor}&#10;\usepackage[margin=5.3cm]{geometry}&#10;&#10;\pagestyle{empty}&#10;&#10;&#10;\begin{document}&#10;\color{blue}$b$ &#10;\end{document}"/>
+  <p:tag name="IGUANATEXSIZE" val="25"/>
+  <p:tag name="IGUANATEXCURSOR" val="253"/>
+  <p:tag name="TRANSPARENCY" val="Verdadero"/>
+  <p:tag name="FILENAME" val=""/>
+  <p:tag name="LATEXENGINEID" val="0"/>
+  <p:tag name="TEMPFOLDER" val="c:\temp\"/>
+  <p:tag name="LATEXFORMHEIGHT" val="324,75"/>
+  <p:tag name="LATEXFORMWIDTH" val="384"/>
+  <p:tag name="LATEXFORMWRAP" val="Verdadero"/>
+  <p:tag name="BITMAPVECTOR" val="0"/>
+</p:tagLst>
+</file>
+
+<file path=ppt/tags/tag61.xml><?xml version="1.0" encoding="utf-8"?>
+<p:tagLst xmlns:a="http://schemas.openxmlformats.org/drawingml/2006/main" xmlns:r="http://schemas.openxmlformats.org/officeDocument/2006/relationships" xmlns:p="http://schemas.openxmlformats.org/presentationml/2006/main">
+  <p:tag name="OUTPUTDPI" val="1200"/>
+  <p:tag name="ORIGINALHEIGHT" val="56,24299"/>
+  <p:tag name="ORIGINALWIDTH" val="49,49378"/>
+  <p:tag name="LATEXADDIN" val="\documentclass{article}&#10;\usepackage{amsmath}&#10;\usepackage{enumerate}&#10;\usepackage{amssymb}&#10;\usepackage[spanish]{babel}&#10;\usepackage[utf8]{inputenc}&#10;\usepackage{xcolor}&#10;\usepackage[margin=5.3cm]{geometry}&#10;&#10;\pagestyle{empty}&#10;&#10;&#10;\begin{document}&#10;\color{blue}$c$ &#10;\end{document}"/>
+  <p:tag name="IGUANATEXSIZE" val="25"/>
+  <p:tag name="IGUANATEXCURSOR" val="253"/>
+  <p:tag name="TRANSPARENCY" val="Verdadero"/>
+  <p:tag name="FILENAME" val=""/>
+  <p:tag name="LATEXENGINEID" val="0"/>
+  <p:tag name="TEMPFOLDER" val="c:\temp\"/>
+  <p:tag name="LATEXFORMHEIGHT" val="324,75"/>
+  <p:tag name="LATEXFORMWIDTH" val="384"/>
+  <p:tag name="LATEXFORMWRAP" val="Verdadero"/>
+  <p:tag name="BITMAPVECTOR" val="0"/>
+</p:tagLst>
+</file>
+
+<file path=ppt/tags/tag62.xml><?xml version="1.0" encoding="utf-8"?>
+<p:tagLst xmlns:a="http://schemas.openxmlformats.org/drawingml/2006/main" xmlns:r="http://schemas.openxmlformats.org/officeDocument/2006/relationships" xmlns:p="http://schemas.openxmlformats.org/presentationml/2006/main">
+  <p:tag name="OUTPUTDPI" val="1200"/>
+  <p:tag name="ORIGINALHEIGHT" val="87,73905"/>
+  <p:tag name="ORIGINALWIDTH" val="59,99252"/>
+  <p:tag name="LATEXADDIN" val="\documentclass{article}&#10;\usepackage{amsmath}&#10;\usepackage{enumerate}&#10;\usepackage{amssymb}&#10;\usepackage[spanish]{babel}&#10;\usepackage[utf8]{inputenc}&#10;\usepackage{xcolor}&#10;\usepackage[margin=5.3cm]{geometry}&#10;&#10;\pagestyle{empty}&#10;&#10;&#10;\begin{document}&#10;\color{blue}$d$ &#10;\end{document}"/>
+  <p:tag name="IGUANATEXSIZE" val="25"/>
+  <p:tag name="IGUANATEXCURSOR" val="253"/>
+  <p:tag name="TRANSPARENCY" val="Verdadero"/>
+  <p:tag name="FILENAME" val=""/>
+  <p:tag name="LATEXENGINEID" val="0"/>
+  <p:tag name="TEMPFOLDER" val="c:\temp\"/>
+  <p:tag name="LATEXFORMHEIGHT" val="324,75"/>
+  <p:tag name="LATEXFORMWIDTH" val="384"/>
+  <p:tag name="LATEXFORMWRAP" val="Verdadero"/>
+  <p:tag name="BITMAPVECTOR" val="0"/>
+</p:tagLst>
+</file>
+
+<file path=ppt/tags/tag63.xml><?xml version="1.0" encoding="utf-8"?>
+<p:tagLst xmlns:a="http://schemas.openxmlformats.org/drawingml/2006/main" xmlns:r="http://schemas.openxmlformats.org/officeDocument/2006/relationships" xmlns:p="http://schemas.openxmlformats.org/presentationml/2006/main">
+  <p:tag name="OUTPUTDPI" val="1200"/>
+  <p:tag name="ORIGINALHEIGHT" val="56,24299"/>
+  <p:tag name="ORIGINALWIDTH" val="48,74394"/>
+  <p:tag name="LATEXADDIN" val="\documentclass{article}&#10;\usepackage{amsmath}&#10;\usepackage{enumerate}&#10;\usepackage{amssymb}&#10;\usepackage[spanish]{babel}&#10;\usepackage[utf8]{inputenc}&#10;\usepackage{xcolor}&#10;\usepackage[margin=5.3cm]{geometry}&#10;&#10;\pagestyle{empty}&#10;&#10;&#10;\begin{document}&#10;\color{blue}$e$ &#10;\end{document}"/>
+  <p:tag name="IGUANATEXSIZE" val="25"/>
+  <p:tag name="IGUANATEXCURSOR" val="253"/>
+  <p:tag name="TRANSPARENCY" val="Verdadero"/>
+  <p:tag name="FILENAME" val=""/>
+  <p:tag name="LATEXENGINEID" val="0"/>
+  <p:tag name="TEMPFOLDER" val="c:\temp\"/>
+  <p:tag name="LATEXFORMHEIGHT" val="324,75"/>
+  <p:tag name="LATEXFORMWIDTH" val="384"/>
+  <p:tag name="LATEXFORMWRAP" val="Verdadero"/>
+  <p:tag name="BITMAPVECTOR" val="0"/>
+</p:tagLst>
+</file>
+
+<file path=ppt/tags/tag64.xml><?xml version="1.0" encoding="utf-8"?>
+<p:tagLst xmlns:a="http://schemas.openxmlformats.org/drawingml/2006/main" xmlns:r="http://schemas.openxmlformats.org/officeDocument/2006/relationships" xmlns:p="http://schemas.openxmlformats.org/presentationml/2006/main">
+  <p:tag name="OUTPUTDPI" val="1200"/>
+  <p:tag name="ORIGINALHEIGHT" val="90,73866"/>
+  <p:tag name="ORIGINALWIDTH" val="350,2062"/>
+  <p:tag name="LATEXADDIN" val="\documentclass{article}&#10;\usepackage{amsmath}&#10;\usepackage{enumerate}&#10;\usepackage{amssymb}&#10;\usepackage[spanish]{babel}&#10;\usepackage[utf8]{inputenc}&#10;\usepackage{xcolor}&#10;\usepackage[margin=5.3cm]{geometry}&#10;&#10;\pagestyle{empty}&#10;&#10;&#10;\begin{document}&#10;\color{red}Caso 1 &#10;\end{document}"/>
+  <p:tag name="IGUANATEXSIZE" val="20"/>
+  <p:tag name="IGUANATEXCURSOR" val="256"/>
+  <p:tag name="TRANSPARENCY" val="Verdadero"/>
+  <p:tag name="FILENAME" val=""/>
+  <p:tag name="LATEXENGINEID" val="0"/>
+  <p:tag name="TEMPFOLDER" val="c:\temp\"/>
+  <p:tag name="LATEXFORMHEIGHT" val="324,75"/>
+  <p:tag name="LATEXFORMWIDTH" val="384"/>
+  <p:tag name="LATEXFORMWRAP" val="Verdadero"/>
+  <p:tag name="BITMAPVECTOR" val="0"/>
+</p:tagLst>
+</file>
+
+<file path=ppt/tags/tag65.xml><?xml version="1.0" encoding="utf-8"?>
+<p:tagLst xmlns:a="http://schemas.openxmlformats.org/drawingml/2006/main" xmlns:r="http://schemas.openxmlformats.org/officeDocument/2006/relationships" xmlns:p="http://schemas.openxmlformats.org/presentationml/2006/main">
+  <p:tag name="OUTPUTDPI" val="1200"/>
+  <p:tag name="ORIGINALHEIGHT" val="90,73866"/>
+  <p:tag name="ORIGINALWIDTH" val="353,9557"/>
+  <p:tag name="LATEXADDIN" val="\documentclass{article}&#10;\usepackage{amsmath}&#10;\usepackage{enumerate}&#10;\usepackage{amssymb}&#10;\usepackage[spanish]{babel}&#10;\usepackage[utf8]{inputenc}&#10;\usepackage{xcolor}&#10;\usepackage[margin=5.3cm]{geometry}&#10;&#10;\pagestyle{empty}&#10;&#10;&#10;\begin{document}&#10;\color{red}Caso 2 &#10;\end{document}"/>
+  <p:tag name="IGUANATEXSIZE" val="20"/>
+  <p:tag name="IGUANATEXCURSOR" val="256"/>
+  <p:tag name="TRANSPARENCY" val="Verdadero"/>
+  <p:tag name="FILENAME" val=""/>
+  <p:tag name="LATEXENGINEID" val="0"/>
+  <p:tag name="TEMPFOLDER" val="c:\temp\"/>
+  <p:tag name="LATEXFORMHEIGHT" val="324,75"/>
+  <p:tag name="LATEXFORMWIDTH" val="384"/>
+  <p:tag name="LATEXFORMWRAP" val="Verdadero"/>
+  <p:tag name="BITMAPVECTOR" val="0"/>
+</p:tagLst>
+</file>
+
+<file path=ppt/tags/tag66.xml><?xml version="1.0" encoding="utf-8"?>
+<p:tagLst xmlns:a="http://schemas.openxmlformats.org/drawingml/2006/main" xmlns:r="http://schemas.openxmlformats.org/officeDocument/2006/relationships" xmlns:p="http://schemas.openxmlformats.org/presentationml/2006/main">
+  <p:tag name="OUTPUTDPI" val="1200"/>
+  <p:tag name="ORIGINALHEIGHT" val="56,24299"/>
+  <p:tag name="ORIGINALWIDTH" val="57,74276"/>
+  <p:tag name="LATEXADDIN" val="\documentclass{article}&#10;\usepackage{amsmath}&#10;\usepackage{enumerate}&#10;\usepackage{amssymb}&#10;\usepackage[spanish]{babel}&#10;\usepackage[utf8]{inputenc}&#10;\usepackage{xcolor}&#10;\usepackage[margin=5.3cm]{geometry}&#10;&#10;\pagestyle{empty}&#10;&#10;&#10;\begin{document}&#10;\color{blue}$a$ &#10;\end{document}"/>
+  <p:tag name="IGUANATEXSIZE" val="25"/>
+  <p:tag name="IGUANATEXCURSOR" val="220"/>
+  <p:tag name="TRANSPARENCY" val="Verdadero"/>
+  <p:tag name="FILENAME" val=""/>
+  <p:tag name="LATEXENGINEID" val="0"/>
+  <p:tag name="TEMPFOLDER" val="c:\temp\"/>
+  <p:tag name="LATEXFORMHEIGHT" val="324,75"/>
+  <p:tag name="LATEXFORMWIDTH" val="384"/>
+  <p:tag name="LATEXFORMWRAP" val="Verdadero"/>
+  <p:tag name="BITMAPVECTOR" val="0"/>
+</p:tagLst>
+</file>
+
+<file path=ppt/tags/tag67.xml><?xml version="1.0" encoding="utf-8"?>
+<p:tagLst xmlns:a="http://schemas.openxmlformats.org/drawingml/2006/main" xmlns:r="http://schemas.openxmlformats.org/officeDocument/2006/relationships" xmlns:p="http://schemas.openxmlformats.org/presentationml/2006/main">
+  <p:tag name="OUTPUTDPI" val="1200"/>
+  <p:tag name="ORIGINALHEIGHT" val="87,73905"/>
+  <p:tag name="ORIGINALWIDTH" val="46,49417"/>
+  <p:tag name="LATEXADDIN" val="\documentclass{article}&#10;\usepackage{amsmath}&#10;\usepackage{enumerate}&#10;\usepackage{amssymb}&#10;\usepackage[spanish]{babel}&#10;\usepackage[utf8]{inputenc}&#10;\usepackage{xcolor}&#10;\usepackage[margin=5.3cm]{geometry}&#10;&#10;\pagestyle{empty}&#10;&#10;&#10;\begin{document}&#10;\color{blue}$b$ &#10;\end{document}"/>
+  <p:tag name="IGUANATEXSIZE" val="25"/>
+  <p:tag name="IGUANATEXCURSOR" val="253"/>
+  <p:tag name="TRANSPARENCY" val="Verdadero"/>
+  <p:tag name="FILENAME" val=""/>
+  <p:tag name="LATEXENGINEID" val="0"/>
+  <p:tag name="TEMPFOLDER" val="c:\temp\"/>
+  <p:tag name="LATEXFORMHEIGHT" val="324,75"/>
+  <p:tag name="LATEXFORMWIDTH" val="384"/>
+  <p:tag name="LATEXFORMWRAP" val="Verdadero"/>
+  <p:tag name="BITMAPVECTOR" val="0"/>
+</p:tagLst>
+</file>
+
+<file path=ppt/tags/tag68.xml><?xml version="1.0" encoding="utf-8"?>
+<p:tagLst xmlns:a="http://schemas.openxmlformats.org/drawingml/2006/main" xmlns:r="http://schemas.openxmlformats.org/officeDocument/2006/relationships" xmlns:p="http://schemas.openxmlformats.org/presentationml/2006/main">
+  <p:tag name="OUTPUTDPI" val="1200"/>
+  <p:tag name="ORIGINALHEIGHT" val="56,24299"/>
+  <p:tag name="ORIGINALWIDTH" val="49,49378"/>
+  <p:tag name="LATEXADDIN" val="\documentclass{article}&#10;\usepackage{amsmath}&#10;\usepackage{enumerate}&#10;\usepackage{amssymb}&#10;\usepackage[spanish]{babel}&#10;\usepackage[utf8]{inputenc}&#10;\usepackage{xcolor}&#10;\usepackage[margin=5.3cm]{geometry}&#10;&#10;\pagestyle{empty}&#10;&#10;&#10;\begin{document}&#10;\color{blue}$c$ &#10;\end{document}"/>
+  <p:tag name="IGUANATEXSIZE" val="25"/>
+  <p:tag name="IGUANATEXCURSOR" val="253"/>
+  <p:tag name="TRANSPARENCY" val="Verdadero"/>
+  <p:tag name="FILENAME" val=""/>
+  <p:tag name="LATEXENGINEID" val="0"/>
+  <p:tag name="TEMPFOLDER" val="c:\temp\"/>
+  <p:tag name="LATEXFORMHEIGHT" val="324,75"/>
+  <p:tag name="LATEXFORMWIDTH" val="384"/>
+  <p:tag name="LATEXFORMWRAP" val="Verdadero"/>
+  <p:tag name="BITMAPVECTOR" val="0"/>
+</p:tagLst>
+</file>
+
+<file path=ppt/tags/tag69.xml><?xml version="1.0" encoding="utf-8"?>
+<p:tagLst xmlns:a="http://schemas.openxmlformats.org/drawingml/2006/main" xmlns:r="http://schemas.openxmlformats.org/officeDocument/2006/relationships" xmlns:p="http://schemas.openxmlformats.org/presentationml/2006/main">
+  <p:tag name="OUTPUTDPI" val="1200"/>
+  <p:tag name="ORIGINALHEIGHT" val="123,7346"/>
+  <p:tag name="ORIGINALWIDTH" val="1375,328"/>
+  <p:tag name="LATEXADDIN" val="\documentclass{article}&#10;\usepackage{amsmath}&#10;\usepackage{enumerate}&#10;\usepackage{amssymb}&#10;\usepackage[spanish]{babel}&#10;\usepackage[utf8]{inputenc}&#10;\usepackage{xcolor}&#10;\usepackage[margin=5.3cm]{geometry}&#10;&#10;\definecolor{verde}{RGB}{0,150,0}&#10;&#10;\pagestyle{empty}&#10;&#10;&#10;\begin{document}&#10;\color{red}Caso 2' ({\color{verde}inválido por O1}) &#10;\end{document}"/>
+  <p:tag name="IGUANATEXSIZE" val="20"/>
+  <p:tag name="IGUANATEXCURSOR" val="323"/>
+  <p:tag name="TRANSPARENCY" val="Verdadero"/>
+  <p:tag name="FILENAME" val=""/>
+  <p:tag name="LATEXENGINEID" val="0"/>
+  <p:tag name="TEMPFOLDER" val="c:\temp\"/>
+  <p:tag name="LATEXFORMHEIGHT" val="324,75"/>
+  <p:tag name="LATEXFORMWIDTH" val="384"/>
+  <p:tag name="LATEXFORMWRAP" val="Verdadero"/>
+  <p:tag name="BITMAPVECTOR" val="0"/>
+</p:tagLst>
+</file>
+
 <file path=ppt/tags/tag7.xml><?xml version="1.0" encoding="utf-8"?>
 <p:tagLst xmlns:a="http://schemas.openxmlformats.org/drawingml/2006/main" xmlns:r="http://schemas.openxmlformats.org/officeDocument/2006/relationships" xmlns:p="http://schemas.openxmlformats.org/presentationml/2006/main">
   <p:tag name="OUTPUTDPI" val="1200"/>
@@ -15310,6 +17360,158 @@
   <p:tag name="LATEXADDIN" val="\documentclass{article}&#10;\usepackage{amsmath}&#10;\usepackage{enumerate}&#10;\usepackage{amssymb}&#10;\usepackage[spanish]{babel}&#10;\usepackage[utf8]{inputenc}&#10;\usepackage{xcolor}&#10;\usepackage[margin=5.3cm]{geometry}&#10;&#10;\pagestyle{empty}&#10;&#10;&#10;\begin{document}&#10;\noindent {\color{black}&#10;&#10;\[&#10;x_i[k+1] = \left\{&#10;\begin{array}{rl}&#10;1 &amp; \mbox{si   }\ \ \   M[k]\leq u_i \\&#10;0 &amp; \mbox{otro caso}&#10;\end{array}\right.,&#10;\]&#10;}&#10;\end{document}"/>
   <p:tag name="IGUANATEXSIZE" val="18"/>
   <p:tag name="IGUANATEXCURSOR" val="389"/>
+  <p:tag name="TRANSPARENCY" val="Verdadero"/>
+  <p:tag name="FILENAME" val=""/>
+  <p:tag name="LATEXENGINEID" val="0"/>
+  <p:tag name="TEMPFOLDER" val="c:\temp\"/>
+  <p:tag name="LATEXFORMHEIGHT" val="324,75"/>
+  <p:tag name="LATEXFORMWIDTH" val="384"/>
+  <p:tag name="LATEXFORMWRAP" val="Verdadero"/>
+  <p:tag name="BITMAPVECTOR" val="0"/>
+</p:tagLst>
+</file>
+
+<file path=ppt/tags/tag70.xml><?xml version="1.0" encoding="utf-8"?>
+<p:tagLst xmlns:a="http://schemas.openxmlformats.org/drawingml/2006/main" xmlns:r="http://schemas.openxmlformats.org/officeDocument/2006/relationships" xmlns:p="http://schemas.openxmlformats.org/presentationml/2006/main">
+  <p:tag name="OUTPUTDPI" val="1200"/>
+  <p:tag name="ORIGINALHEIGHT" val="56,24299"/>
+  <p:tag name="ORIGINALWIDTH" val="57,74276"/>
+  <p:tag name="LATEXADDIN" val="\documentclass{article}&#10;\usepackage{amsmath}&#10;\usepackage{enumerate}&#10;\usepackage{amssymb}&#10;\usepackage[spanish]{babel}&#10;\usepackage[utf8]{inputenc}&#10;\usepackage{xcolor}&#10;\usepackage[margin=5.3cm]{geometry}&#10;&#10;\pagestyle{empty}&#10;&#10;&#10;\begin{document}&#10;\color{blue}$a$ &#10;\end{document}"/>
+  <p:tag name="IGUANATEXSIZE" val="25"/>
+  <p:tag name="IGUANATEXCURSOR" val="220"/>
+  <p:tag name="TRANSPARENCY" val="Verdadero"/>
+  <p:tag name="FILENAME" val=""/>
+  <p:tag name="LATEXENGINEID" val="0"/>
+  <p:tag name="TEMPFOLDER" val="c:\temp\"/>
+  <p:tag name="LATEXFORMHEIGHT" val="324,75"/>
+  <p:tag name="LATEXFORMWIDTH" val="384"/>
+  <p:tag name="LATEXFORMWRAP" val="Verdadero"/>
+  <p:tag name="BITMAPVECTOR" val="0"/>
+</p:tagLst>
+</file>
+
+<file path=ppt/tags/tag71.xml><?xml version="1.0" encoding="utf-8"?>
+<p:tagLst xmlns:a="http://schemas.openxmlformats.org/drawingml/2006/main" xmlns:r="http://schemas.openxmlformats.org/officeDocument/2006/relationships" xmlns:p="http://schemas.openxmlformats.org/presentationml/2006/main">
+  <p:tag name="OUTPUTDPI" val="1200"/>
+  <p:tag name="ORIGINALHEIGHT" val="87,73905"/>
+  <p:tag name="ORIGINALWIDTH" val="46,49417"/>
+  <p:tag name="LATEXADDIN" val="\documentclass{article}&#10;\usepackage{amsmath}&#10;\usepackage{enumerate}&#10;\usepackage{amssymb}&#10;\usepackage[spanish]{babel}&#10;\usepackage[utf8]{inputenc}&#10;\usepackage{xcolor}&#10;\usepackage[margin=5.3cm]{geometry}&#10;&#10;\pagestyle{empty}&#10;&#10;&#10;\begin{document}&#10;\color{blue}$b$ &#10;\end{document}"/>
+  <p:tag name="IGUANATEXSIZE" val="25"/>
+  <p:tag name="IGUANATEXCURSOR" val="253"/>
+  <p:tag name="TRANSPARENCY" val="Verdadero"/>
+  <p:tag name="FILENAME" val=""/>
+  <p:tag name="LATEXENGINEID" val="0"/>
+  <p:tag name="TEMPFOLDER" val="c:\temp\"/>
+  <p:tag name="LATEXFORMHEIGHT" val="324,75"/>
+  <p:tag name="LATEXFORMWIDTH" val="384"/>
+  <p:tag name="LATEXFORMWRAP" val="Verdadero"/>
+  <p:tag name="BITMAPVECTOR" val="0"/>
+</p:tagLst>
+</file>
+
+<file path=ppt/tags/tag72.xml><?xml version="1.0" encoding="utf-8"?>
+<p:tagLst xmlns:a="http://schemas.openxmlformats.org/drawingml/2006/main" xmlns:r="http://schemas.openxmlformats.org/officeDocument/2006/relationships" xmlns:p="http://schemas.openxmlformats.org/presentationml/2006/main">
+  <p:tag name="OUTPUTDPI" val="1200"/>
+  <p:tag name="ORIGINALHEIGHT" val="56,24299"/>
+  <p:tag name="ORIGINALWIDTH" val="49,49378"/>
+  <p:tag name="LATEXADDIN" val="\documentclass{article}&#10;\usepackage{amsmath}&#10;\usepackage{enumerate}&#10;\usepackage{amssymb}&#10;\usepackage[spanish]{babel}&#10;\usepackage[utf8]{inputenc}&#10;\usepackage{xcolor}&#10;\usepackage[margin=5.3cm]{geometry}&#10;&#10;\pagestyle{empty}&#10;&#10;&#10;\begin{document}&#10;\color{blue}$c$ &#10;\end{document}"/>
+  <p:tag name="IGUANATEXSIZE" val="25"/>
+  <p:tag name="IGUANATEXCURSOR" val="253"/>
+  <p:tag name="TRANSPARENCY" val="Verdadero"/>
+  <p:tag name="FILENAME" val=""/>
+  <p:tag name="LATEXENGINEID" val="0"/>
+  <p:tag name="TEMPFOLDER" val="c:\temp\"/>
+  <p:tag name="LATEXFORMHEIGHT" val="324,75"/>
+  <p:tag name="LATEXFORMWIDTH" val="384"/>
+  <p:tag name="LATEXFORMWRAP" val="Verdadero"/>
+  <p:tag name="BITMAPVECTOR" val="0"/>
+</p:tagLst>
+</file>
+
+<file path=ppt/tags/tag73.xml><?xml version="1.0" encoding="utf-8"?>
+<p:tagLst xmlns:a="http://schemas.openxmlformats.org/drawingml/2006/main" xmlns:r="http://schemas.openxmlformats.org/officeDocument/2006/relationships" xmlns:p="http://schemas.openxmlformats.org/presentationml/2006/main">
+  <p:tag name="OUTPUTDPI" val="1200"/>
+  <p:tag name="ORIGINALHEIGHT" val="56,24299"/>
+  <p:tag name="ORIGINALWIDTH" val="57,74276"/>
+  <p:tag name="LATEXADDIN" val="\documentclass{article}&#10;\usepackage{amsmath}&#10;\usepackage{enumerate}&#10;\usepackage{amssymb}&#10;\usepackage[spanish]{babel}&#10;\usepackage[utf8]{inputenc}&#10;\usepackage{xcolor}&#10;\usepackage[margin=5.3cm]{geometry}&#10;&#10;\pagestyle{empty}&#10;&#10;&#10;\begin{document}&#10;\color{blue}$a$ &#10;\end{document}"/>
+  <p:tag name="IGUANATEXSIZE" val="25"/>
+  <p:tag name="IGUANATEXCURSOR" val="220"/>
+  <p:tag name="TRANSPARENCY" val="Verdadero"/>
+  <p:tag name="FILENAME" val=""/>
+  <p:tag name="LATEXENGINEID" val="0"/>
+  <p:tag name="TEMPFOLDER" val="c:\temp\"/>
+  <p:tag name="LATEXFORMHEIGHT" val="324,75"/>
+  <p:tag name="LATEXFORMWIDTH" val="384"/>
+  <p:tag name="LATEXFORMWRAP" val="Verdadero"/>
+  <p:tag name="BITMAPVECTOR" val="0"/>
+</p:tagLst>
+</file>
+
+<file path=ppt/tags/tag74.xml><?xml version="1.0" encoding="utf-8"?>
+<p:tagLst xmlns:a="http://schemas.openxmlformats.org/drawingml/2006/main" xmlns:r="http://schemas.openxmlformats.org/officeDocument/2006/relationships" xmlns:p="http://schemas.openxmlformats.org/presentationml/2006/main">
+  <p:tag name="OUTPUTDPI" val="1200"/>
+  <p:tag name="ORIGINALHEIGHT" val="87,73905"/>
+  <p:tag name="ORIGINALWIDTH" val="46,49417"/>
+  <p:tag name="LATEXADDIN" val="\documentclass{article}&#10;\usepackage{amsmath}&#10;\usepackage{enumerate}&#10;\usepackage{amssymb}&#10;\usepackage[spanish]{babel}&#10;\usepackage[utf8]{inputenc}&#10;\usepackage{xcolor}&#10;\usepackage[margin=5.3cm]{geometry}&#10;&#10;\pagestyle{empty}&#10;&#10;&#10;\begin{document}&#10;\color{blue}$b$ &#10;\end{document}"/>
+  <p:tag name="IGUANATEXSIZE" val="25"/>
+  <p:tag name="IGUANATEXCURSOR" val="253"/>
+  <p:tag name="TRANSPARENCY" val="Verdadero"/>
+  <p:tag name="FILENAME" val=""/>
+  <p:tag name="LATEXENGINEID" val="0"/>
+  <p:tag name="TEMPFOLDER" val="c:\temp\"/>
+  <p:tag name="LATEXFORMHEIGHT" val="324,75"/>
+  <p:tag name="LATEXFORMWIDTH" val="384"/>
+  <p:tag name="LATEXFORMWRAP" val="Verdadero"/>
+  <p:tag name="BITMAPVECTOR" val="0"/>
+</p:tagLst>
+</file>
+
+<file path=ppt/tags/tag75.xml><?xml version="1.0" encoding="utf-8"?>
+<p:tagLst xmlns:a="http://schemas.openxmlformats.org/drawingml/2006/main" xmlns:r="http://schemas.openxmlformats.org/officeDocument/2006/relationships" xmlns:p="http://schemas.openxmlformats.org/presentationml/2006/main">
+  <p:tag name="OUTPUTDPI" val="1200"/>
+  <p:tag name="ORIGINALHEIGHT" val="87,73905"/>
+  <p:tag name="ORIGINALWIDTH" val="59,99252"/>
+  <p:tag name="LATEXADDIN" val="\documentclass{article}&#10;\usepackage{amsmath}&#10;\usepackage{enumerate}&#10;\usepackage{amssymb}&#10;\usepackage[spanish]{babel}&#10;\usepackage[utf8]{inputenc}&#10;\usepackage{xcolor}&#10;\usepackage[margin=5.3cm]{geometry}&#10;&#10;\pagestyle{empty}&#10;&#10;&#10;\begin{document}&#10;\color{blue}$d$ &#10;\end{document}"/>
+  <p:tag name="IGUANATEXSIZE" val="25"/>
+  <p:tag name="IGUANATEXCURSOR" val="253"/>
+  <p:tag name="TRANSPARENCY" val="Verdadero"/>
+  <p:tag name="FILENAME" val=""/>
+  <p:tag name="LATEXENGINEID" val="0"/>
+  <p:tag name="TEMPFOLDER" val="c:\temp\"/>
+  <p:tag name="LATEXFORMHEIGHT" val="324,75"/>
+  <p:tag name="LATEXFORMWIDTH" val="384"/>
+  <p:tag name="LATEXFORMWRAP" val="Verdadero"/>
+  <p:tag name="BITMAPVECTOR" val="0"/>
+</p:tagLst>
+</file>
+
+<file path=ppt/tags/tag76.xml><?xml version="1.0" encoding="utf-8"?>
+<p:tagLst xmlns:a="http://schemas.openxmlformats.org/drawingml/2006/main" xmlns:r="http://schemas.openxmlformats.org/officeDocument/2006/relationships" xmlns:p="http://schemas.openxmlformats.org/presentationml/2006/main">
+  <p:tag name="OUTPUTDPI" val="1200"/>
+  <p:tag name="ORIGINALHEIGHT" val="56,24299"/>
+  <p:tag name="ORIGINALWIDTH" val="48,74394"/>
+  <p:tag name="LATEXADDIN" val="\documentclass{article}&#10;\usepackage{amsmath}&#10;\usepackage{enumerate}&#10;\usepackage{amssymb}&#10;\usepackage[spanish]{babel}&#10;\usepackage[utf8]{inputenc}&#10;\usepackage{xcolor}&#10;\usepackage[margin=5.3cm]{geometry}&#10;&#10;\pagestyle{empty}&#10;&#10;&#10;\begin{document}&#10;\color{blue}$e$ &#10;\end{document}"/>
+  <p:tag name="IGUANATEXSIZE" val="25"/>
+  <p:tag name="IGUANATEXCURSOR" val="253"/>
+  <p:tag name="TRANSPARENCY" val="Verdadero"/>
+  <p:tag name="FILENAME" val=""/>
+  <p:tag name="LATEXENGINEID" val="0"/>
+  <p:tag name="TEMPFOLDER" val="c:\temp\"/>
+  <p:tag name="LATEXFORMHEIGHT" val="324,75"/>
+  <p:tag name="LATEXFORMWIDTH" val="384"/>
+  <p:tag name="LATEXFORMWRAP" val="Verdadero"/>
+  <p:tag name="BITMAPVECTOR" val="0"/>
+</p:tagLst>
+</file>
+
+<file path=ppt/tags/tag77.xml><?xml version="1.0" encoding="utf-8"?>
+<p:tagLst xmlns:a="http://schemas.openxmlformats.org/drawingml/2006/main" xmlns:r="http://schemas.openxmlformats.org/officeDocument/2006/relationships" xmlns:p="http://schemas.openxmlformats.org/presentationml/2006/main">
+  <p:tag name="OUTPUTDPI" val="1200"/>
+  <p:tag name="ORIGINALHEIGHT" val="88,48898"/>
+  <p:tag name="ORIGINALWIDTH" val="1597,3"/>
+  <p:tag name="LATEXADDIN" val="\documentclass{article}&#10;\usepackage{amsmath}&#10;\usepackage{enumerate}&#10;\usepackage{amssymb}&#10;\usepackage[spanish]{babel}&#10;\usepackage[utf8]{inputenc}&#10;\usepackage{xcolor}&#10;\usepackage[margin=5.3cm]{geometry}&#10;&#10;\pagestyle{empty}&#10;\definecolor{verde}{RGB}{0,150,0}&#10;&#10;\begin{document}&#10;\noindent \textbf{\color{verde}&#10;sólo ciclos de dos estados:&#10;}&#10;\end{document}"/>
+  <p:tag name="IGUANATEXSIZE" val="18"/>
+  <p:tag name="IGUANATEXCURSOR" val="249"/>
   <p:tag name="TRANSPARENCY" val="Verdadero"/>
   <p:tag name="FILENAME" val=""/>
   <p:tag name="LATEXENGINEID" val="0"/>
